--- a/Misty tutorial.pptx
+++ b/Misty tutorial.pptx
@@ -12,9 +12,13 @@
     <p:sldId id="607" r:id="rId6"/>
     <p:sldId id="606" r:id="rId7"/>
     <p:sldId id="608" r:id="rId8"/>
-    <p:sldId id="610" r:id="rId9"/>
-    <p:sldId id="611" r:id="rId10"/>
-    <p:sldId id="612" r:id="rId11"/>
+    <p:sldId id="614" r:id="rId9"/>
+    <p:sldId id="610" r:id="rId10"/>
+    <p:sldId id="615" r:id="rId11"/>
+    <p:sldId id="616" r:id="rId12"/>
+    <p:sldId id="617" r:id="rId13"/>
+    <p:sldId id="613" r:id="rId14"/>
+    <p:sldId id="612" r:id="rId15"/>
   </p:sldIdLst>
   <p:sldSz cx="12192000" cy="6858000"/>
   <p:notesSz cx="6858000" cy="9144000"/>
@@ -1148,7 +1152,7 @@
           <a:p>
             <a:fld id="{5284E793-42BC-7A47-9251-8F00007A7FA8}" type="datetimeFigureOut">
               <a:rPr lang="nl-NL" smtClean="0"/>
-              <a:t>22-04-2024</a:t>
+              <a:t>13-02-2025</a:t>
             </a:fld>
             <a:endParaRPr lang="nl-NL"/>
           </a:p>
@@ -4781,6 +4785,1289 @@
           <p:cNvPr id="2" name="Title 1">
             <a:extLst>
               <a:ext uri="{FF2B5EF4-FFF2-40B4-BE49-F238E27FC236}">
+                <a16:creationId xmlns:a16="http://schemas.microsoft.com/office/drawing/2014/main" id="{FF3FD8EC-3243-74D0-ADAB-4940618FD4D5}"/>
+              </a:ext>
+            </a:extLst>
+          </p:cNvPr>
+          <p:cNvSpPr>
+            <a:spLocks noGrp="1"/>
+          </p:cNvSpPr>
+          <p:nvPr>
+            <p:ph type="title"/>
+          </p:nvPr>
+        </p:nvSpPr>
+        <p:spPr/>
+        <p:txBody>
+          <a:bodyPr/>
+          <a:lstStyle/>
+          <a:p>
+            <a:r>
+              <a:rPr lang="en-NL" dirty="0"/>
+              <a:t>Web Interface</a:t>
+            </a:r>
+          </a:p>
+        </p:txBody>
+      </p:sp>
+      <p:sp>
+        <p:nvSpPr>
+          <p:cNvPr id="3" name="Content Placeholder 2">
+            <a:extLst>
+              <a:ext uri="{FF2B5EF4-FFF2-40B4-BE49-F238E27FC236}">
+                <a16:creationId xmlns:a16="http://schemas.microsoft.com/office/drawing/2014/main" id="{7829F67C-C7C8-9122-34DD-C0B7F237954D}"/>
+              </a:ext>
+            </a:extLst>
+          </p:cNvPr>
+          <p:cNvSpPr>
+            <a:spLocks noGrp="1"/>
+          </p:cNvSpPr>
+          <p:nvPr>
+            <p:ph idx="1"/>
+          </p:nvPr>
+        </p:nvSpPr>
+        <p:spPr/>
+        <p:txBody>
+          <a:bodyPr/>
+          <a:lstStyle/>
+          <a:p>
+            <a:pPr marL="342900" indent="-342900">
+              <a:buFont typeface="Arial" panose="020B0604020202020204" pitchFamily="34" charset="0"/>
+              <a:buChar char="•"/>
+            </a:pPr>
+            <a:r>
+              <a:rPr lang="en-US" dirty="0"/>
+              <a:t>For </a:t>
+            </a:r>
+            <a:r>
+              <a:rPr lang="en-US" dirty="0" err="1"/>
+              <a:t>Blockly</a:t>
+            </a:r>
+            <a:r>
+              <a:rPr lang="en-US" dirty="0"/>
+              <a:t> programming</a:t>
+            </a:r>
+            <a:endParaRPr lang="en-GB" dirty="0"/>
+          </a:p>
+          <a:p>
+            <a:pPr marL="612893" lvl="2" indent="-342900"/>
+            <a:r>
+              <a:rPr lang="en-GB" dirty="0"/>
+              <a:t>Choose </a:t>
+            </a:r>
+            <a:r>
+              <a:rPr lang="en-GB" b="1" dirty="0"/>
+              <a:t>Programming</a:t>
+            </a:r>
+            <a:r>
+              <a:rPr lang="en-GB" dirty="0"/>
+              <a:t> from the left menu and choose </a:t>
+            </a:r>
+            <a:r>
+              <a:rPr lang="en-GB" b="1" dirty="0" err="1"/>
+              <a:t>Blockly</a:t>
+            </a:r>
+            <a:endParaRPr lang="en-GB" b="1" dirty="0"/>
+          </a:p>
+          <a:p>
+            <a:pPr marL="612893" lvl="2" indent="-342900"/>
+            <a:r>
+              <a:rPr lang="en-GB" dirty="0"/>
+              <a:t>Tutorials/lessons are here </a:t>
+            </a:r>
+            <a:r>
+              <a:rPr lang="en-GB" dirty="0">
+                <a:hlinkClick r:id="rId2"/>
+              </a:rPr>
+              <a:t>https://lessons.mistyrobotics.com/blockly/blockly-lessons</a:t>
+            </a:r>
+            <a:r>
+              <a:rPr lang="en-GB" dirty="0"/>
+              <a:t> </a:t>
+            </a:r>
+          </a:p>
+          <a:p>
+            <a:pPr marL="612893" lvl="2" indent="-342900"/>
+            <a:r>
+              <a:rPr lang="en-GB" dirty="0"/>
+              <a:t>You can download your local copy here: </a:t>
+            </a:r>
+            <a:r>
+              <a:rPr lang="en-GB" dirty="0">
+                <a:hlinkClick r:id="rId3"/>
+              </a:rPr>
+              <a:t>https://github.com/MistyCommunity/Blockly</a:t>
+            </a:r>
+            <a:r>
+              <a:rPr lang="en-GB" dirty="0"/>
+              <a:t> </a:t>
+            </a:r>
+            <a:endParaRPr lang="en-NL" dirty="0"/>
+          </a:p>
+        </p:txBody>
+      </p:sp>
+      <p:sp>
+        <p:nvSpPr>
+          <p:cNvPr id="4" name="Footer Placeholder 3">
+            <a:extLst>
+              <a:ext uri="{FF2B5EF4-FFF2-40B4-BE49-F238E27FC236}">
+                <a16:creationId xmlns:a16="http://schemas.microsoft.com/office/drawing/2014/main" id="{64D858BC-1444-5146-FB12-A95807FB892E}"/>
+              </a:ext>
+            </a:extLst>
+          </p:cNvPr>
+          <p:cNvSpPr>
+            <a:spLocks noGrp="1"/>
+          </p:cNvSpPr>
+          <p:nvPr>
+            <p:ph type="ftr" sz="quarter" idx="11"/>
+          </p:nvPr>
+        </p:nvSpPr>
+        <p:spPr/>
+        <p:txBody>
+          <a:bodyPr/>
+          <a:lstStyle/>
+          <a:p>
+            <a:r>
+              <a:rPr lang="en-US"/>
+              <a:t>Title of Presentation – by Insert Header and Footer text</a:t>
+            </a:r>
+            <a:endParaRPr lang="en-US" dirty="0"/>
+          </a:p>
+        </p:txBody>
+      </p:sp>
+      <p:sp>
+        <p:nvSpPr>
+          <p:cNvPr id="5" name="Slide Number Placeholder 4">
+            <a:extLst>
+              <a:ext uri="{FF2B5EF4-FFF2-40B4-BE49-F238E27FC236}">
+                <a16:creationId xmlns:a16="http://schemas.microsoft.com/office/drawing/2014/main" id="{1B1D453D-0915-01E8-E1E4-9E2F2DECBE2A}"/>
+              </a:ext>
+            </a:extLst>
+          </p:cNvPr>
+          <p:cNvSpPr>
+            <a:spLocks noGrp="1"/>
+          </p:cNvSpPr>
+          <p:nvPr>
+            <p:ph type="sldNum" sz="quarter" idx="12"/>
+          </p:nvPr>
+        </p:nvSpPr>
+        <p:spPr/>
+        <p:txBody>
+          <a:bodyPr/>
+          <a:lstStyle/>
+          <a:p>
+            <a:fld id="{B7CEC10D-CD46-426F-915E-6C78530279CB}" type="slidenum">
+              <a:rPr lang="en-US" smtClean="0"/>
+              <a:t>10</a:t>
+            </a:fld>
+            <a:endParaRPr lang="en-US" dirty="0"/>
+          </a:p>
+        </p:txBody>
+      </p:sp>
+      <p:pic>
+        <p:nvPicPr>
+          <p:cNvPr id="2058" name="Picture 10" descr="Blockly">
+            <a:extLst>
+              <a:ext uri="{FF2B5EF4-FFF2-40B4-BE49-F238E27FC236}">
+                <a16:creationId xmlns:a16="http://schemas.microsoft.com/office/drawing/2014/main" id="{63D1F19E-0EC5-151E-C3A1-B50EB56E786E}"/>
+              </a:ext>
+            </a:extLst>
+          </p:cNvPr>
+          <p:cNvPicPr>
+            <a:picLocks noChangeAspect="1" noChangeArrowheads="1"/>
+          </p:cNvPicPr>
+          <p:nvPr/>
+        </p:nvPicPr>
+        <p:blipFill>
+          <a:blip r:embed="rId4">
+            <a:extLst>
+              <a:ext uri="{28A0092B-C50C-407E-A947-70E740481C1C}">
+                <a14:useLocalDpi xmlns:a14="http://schemas.microsoft.com/office/drawing/2010/main" val="0"/>
+              </a:ext>
+            </a:extLst>
+          </a:blip>
+          <a:srcRect/>
+          <a:stretch>
+            <a:fillRect/>
+          </a:stretch>
+        </p:blipFill>
+        <p:spPr bwMode="auto">
+          <a:xfrm>
+            <a:off x="2575497" y="3272147"/>
+            <a:ext cx="6458324" cy="3325028"/>
+          </a:xfrm>
+          <a:prstGeom prst="rect">
+            <a:avLst/>
+          </a:prstGeom>
+          <a:noFill/>
+          <a:extLst>
+            <a:ext uri="{909E8E84-426E-40DD-AFC4-6F175D3DCCD1}">
+              <a14:hiddenFill xmlns:a14="http://schemas.microsoft.com/office/drawing/2010/main">
+                <a:solidFill>
+                  <a:srgbClr val="FFFFFF"/>
+                </a:solidFill>
+              </a14:hiddenFill>
+            </a:ext>
+          </a:extLst>
+        </p:spPr>
+      </p:pic>
+    </p:spTree>
+    <p:extLst>
+      <p:ext uri="{BB962C8B-B14F-4D97-AF65-F5344CB8AC3E}">
+        <p14:creationId xmlns:p14="http://schemas.microsoft.com/office/powerpoint/2010/main" val="956529414"/>
+      </p:ext>
+    </p:extLst>
+  </p:cSld>
+  <p:clrMapOvr>
+    <a:masterClrMapping/>
+  </p:clrMapOvr>
+  <mc:AlternateContent xmlns:mc="http://schemas.openxmlformats.org/markup-compatibility/2006" xmlns:p14="http://schemas.microsoft.com/office/powerpoint/2010/main">
+    <mc:Choice Requires="p14">
+      <p:transition spd="med" p14:dur="700">
+        <p:fade/>
+      </p:transition>
+    </mc:Choice>
+    <mc:Fallback xmlns="">
+      <p:transition spd="med">
+        <p:fade/>
+      </p:transition>
+    </mc:Fallback>
+  </mc:AlternateContent>
+</p:sld>
+</file>
+
+<file path=ppt/slides/slide11.xml><?xml version="1.0" encoding="utf-8"?>
+<p:sld xmlns:a="http://schemas.openxmlformats.org/drawingml/2006/main" xmlns:r="http://schemas.openxmlformats.org/officeDocument/2006/relationships" xmlns:p="http://schemas.openxmlformats.org/presentationml/2006/main">
+  <p:cSld>
+    <p:spTree>
+      <p:nvGrpSpPr>
+        <p:cNvPr id="1" name="">
+          <a:extLst>
+            <a:ext uri="{FF2B5EF4-FFF2-40B4-BE49-F238E27FC236}">
+              <a16:creationId xmlns:a16="http://schemas.microsoft.com/office/drawing/2014/main" id="{97186536-12FA-ADF1-DD14-2ACC750FE408}"/>
+            </a:ext>
+          </a:extLst>
+        </p:cNvPr>
+        <p:cNvGrpSpPr/>
+        <p:nvPr/>
+      </p:nvGrpSpPr>
+      <p:grpSpPr>
+        <a:xfrm>
+          <a:off x="0" y="0"/>
+          <a:ext cx="0" cy="0"/>
+          <a:chOff x="0" y="0"/>
+          <a:chExt cx="0" cy="0"/>
+        </a:xfrm>
+      </p:grpSpPr>
+      <p:sp>
+        <p:nvSpPr>
+          <p:cNvPr id="2" name="Title 1">
+            <a:extLst>
+              <a:ext uri="{FF2B5EF4-FFF2-40B4-BE49-F238E27FC236}">
+                <a16:creationId xmlns:a16="http://schemas.microsoft.com/office/drawing/2014/main" id="{51AD9BDF-66FB-9E3D-0987-7B55B505EBEC}"/>
+              </a:ext>
+            </a:extLst>
+          </p:cNvPr>
+          <p:cNvSpPr>
+            <a:spLocks noGrp="1"/>
+          </p:cNvSpPr>
+          <p:nvPr>
+            <p:ph type="title"/>
+          </p:nvPr>
+        </p:nvSpPr>
+        <p:spPr/>
+        <p:txBody>
+          <a:bodyPr/>
+          <a:lstStyle/>
+          <a:p>
+            <a:r>
+              <a:rPr lang="en-NL" dirty="0"/>
+              <a:t>Web Interface</a:t>
+            </a:r>
+          </a:p>
+        </p:txBody>
+      </p:sp>
+      <p:sp>
+        <p:nvSpPr>
+          <p:cNvPr id="3" name="Content Placeholder 2">
+            <a:extLst>
+              <a:ext uri="{FF2B5EF4-FFF2-40B4-BE49-F238E27FC236}">
+                <a16:creationId xmlns:a16="http://schemas.microsoft.com/office/drawing/2014/main" id="{4EA673C4-D88B-3CAC-95D5-EFDD7C74B550}"/>
+              </a:ext>
+            </a:extLst>
+          </p:cNvPr>
+          <p:cNvSpPr>
+            <a:spLocks noGrp="1"/>
+          </p:cNvSpPr>
+          <p:nvPr>
+            <p:ph idx="1"/>
+          </p:nvPr>
+        </p:nvSpPr>
+        <p:spPr/>
+        <p:txBody>
+          <a:bodyPr/>
+          <a:lstStyle/>
+          <a:p>
+            <a:pPr marL="342900" indent="-342900">
+              <a:buFont typeface="Arial" panose="020B0604020202020204" pitchFamily="34" charset="0"/>
+              <a:buChar char="•"/>
+            </a:pPr>
+            <a:r>
+              <a:rPr lang="en-US" dirty="0"/>
+              <a:t>For Python programming using the web interface</a:t>
+            </a:r>
+            <a:endParaRPr lang="en-GB" dirty="0"/>
+          </a:p>
+          <a:p>
+            <a:pPr marL="612893" lvl="2" indent="-342900"/>
+            <a:r>
+              <a:rPr lang="en-GB" dirty="0"/>
+              <a:t>Choose </a:t>
+            </a:r>
+            <a:r>
+              <a:rPr lang="en-GB" b="1" dirty="0"/>
+              <a:t>Programming</a:t>
+            </a:r>
+            <a:r>
+              <a:rPr lang="en-GB" dirty="0"/>
+              <a:t> from the left menu and choose </a:t>
+            </a:r>
+            <a:r>
+              <a:rPr lang="en-GB" b="1" dirty="0"/>
+              <a:t>Python</a:t>
+            </a:r>
+          </a:p>
+          <a:p>
+            <a:pPr marL="612893" lvl="2" indent="-342900"/>
+            <a:r>
+              <a:rPr lang="en-GB" dirty="0"/>
+              <a:t>Tutorials/lessons are here </a:t>
+            </a:r>
+            <a:r>
+              <a:rPr lang="en-GB" dirty="0">
+                <a:hlinkClick r:id="rId2"/>
+              </a:rPr>
+              <a:t>https://lessons.mistyrobotics.com/python/python-lessons</a:t>
+            </a:r>
+            <a:endParaRPr lang="en-GB" dirty="0"/>
+          </a:p>
+          <a:p>
+            <a:pPr marL="612893" lvl="2" indent="-342900"/>
+            <a:r>
+              <a:rPr lang="en-NL" dirty="0"/>
+              <a:t>Works great for autonomous behaviours, but is limited to pre-installed python of the robot</a:t>
+            </a:r>
+          </a:p>
+        </p:txBody>
+      </p:sp>
+      <p:sp>
+        <p:nvSpPr>
+          <p:cNvPr id="4" name="Footer Placeholder 3">
+            <a:extLst>
+              <a:ext uri="{FF2B5EF4-FFF2-40B4-BE49-F238E27FC236}">
+                <a16:creationId xmlns:a16="http://schemas.microsoft.com/office/drawing/2014/main" id="{1A636365-062D-C880-5CD5-BADD130F5A93}"/>
+              </a:ext>
+            </a:extLst>
+          </p:cNvPr>
+          <p:cNvSpPr>
+            <a:spLocks noGrp="1"/>
+          </p:cNvSpPr>
+          <p:nvPr>
+            <p:ph type="ftr" sz="quarter" idx="11"/>
+          </p:nvPr>
+        </p:nvSpPr>
+        <p:spPr/>
+        <p:txBody>
+          <a:bodyPr/>
+          <a:lstStyle/>
+          <a:p>
+            <a:r>
+              <a:rPr lang="en-US"/>
+              <a:t>Title of Presentation – by Insert Header and Footer text</a:t>
+            </a:r>
+            <a:endParaRPr lang="en-US" dirty="0"/>
+          </a:p>
+        </p:txBody>
+      </p:sp>
+      <p:sp>
+        <p:nvSpPr>
+          <p:cNvPr id="5" name="Slide Number Placeholder 4">
+            <a:extLst>
+              <a:ext uri="{FF2B5EF4-FFF2-40B4-BE49-F238E27FC236}">
+                <a16:creationId xmlns:a16="http://schemas.microsoft.com/office/drawing/2014/main" id="{D2C42DA0-799F-033C-00DF-764A3B8AACF5}"/>
+              </a:ext>
+            </a:extLst>
+          </p:cNvPr>
+          <p:cNvSpPr>
+            <a:spLocks noGrp="1"/>
+          </p:cNvSpPr>
+          <p:nvPr>
+            <p:ph type="sldNum" sz="quarter" idx="12"/>
+          </p:nvPr>
+        </p:nvSpPr>
+        <p:spPr/>
+        <p:txBody>
+          <a:bodyPr/>
+          <a:lstStyle/>
+          <a:p>
+            <a:fld id="{B7CEC10D-CD46-426F-915E-6C78530279CB}" type="slidenum">
+              <a:rPr lang="en-US" smtClean="0"/>
+              <a:t>11</a:t>
+            </a:fld>
+            <a:endParaRPr lang="en-US" dirty="0"/>
+          </a:p>
+        </p:txBody>
+      </p:sp>
+      <p:pic>
+        <p:nvPicPr>
+          <p:cNvPr id="4100" name="Picture 4" descr="Python Editor">
+            <a:extLst>
+              <a:ext uri="{FF2B5EF4-FFF2-40B4-BE49-F238E27FC236}">
+                <a16:creationId xmlns:a16="http://schemas.microsoft.com/office/drawing/2014/main" id="{23361988-85EF-3E15-9B5B-B716403DC2BD}"/>
+              </a:ext>
+            </a:extLst>
+          </p:cNvPr>
+          <p:cNvPicPr>
+            <a:picLocks noChangeAspect="1" noChangeArrowheads="1"/>
+          </p:cNvPicPr>
+          <p:nvPr/>
+        </p:nvPicPr>
+        <p:blipFill>
+          <a:blip r:embed="rId3">
+            <a:extLst>
+              <a:ext uri="{28A0092B-C50C-407E-A947-70E740481C1C}">
+                <a14:useLocalDpi xmlns:a14="http://schemas.microsoft.com/office/drawing/2010/main" val="0"/>
+              </a:ext>
+            </a:extLst>
+          </a:blip>
+          <a:srcRect/>
+          <a:stretch>
+            <a:fillRect/>
+          </a:stretch>
+        </p:blipFill>
+        <p:spPr bwMode="auto">
+          <a:xfrm>
+            <a:off x="1214126" y="3600916"/>
+            <a:ext cx="7349494" cy="2996259"/>
+          </a:xfrm>
+          <a:prstGeom prst="rect">
+            <a:avLst/>
+          </a:prstGeom>
+          <a:noFill/>
+          <a:extLst>
+            <a:ext uri="{909E8E84-426E-40DD-AFC4-6F175D3DCCD1}">
+              <a14:hiddenFill xmlns:a14="http://schemas.microsoft.com/office/drawing/2010/main">
+                <a:solidFill>
+                  <a:srgbClr val="FFFFFF"/>
+                </a:solidFill>
+              </a14:hiddenFill>
+            </a:ext>
+          </a:extLst>
+        </p:spPr>
+      </p:pic>
+    </p:spTree>
+    <p:extLst>
+      <p:ext uri="{BB962C8B-B14F-4D97-AF65-F5344CB8AC3E}">
+        <p14:creationId xmlns:p14="http://schemas.microsoft.com/office/powerpoint/2010/main" val="2247772449"/>
+      </p:ext>
+    </p:extLst>
+  </p:cSld>
+  <p:clrMapOvr>
+    <a:masterClrMapping/>
+  </p:clrMapOvr>
+  <mc:AlternateContent xmlns:mc="http://schemas.openxmlformats.org/markup-compatibility/2006">
+    <mc:Choice xmlns:p14="http://schemas.microsoft.com/office/powerpoint/2010/main" Requires="p14">
+      <p:transition spd="med" p14:dur="700">
+        <p:fade/>
+      </p:transition>
+    </mc:Choice>
+    <mc:Fallback>
+      <p:transition spd="med">
+        <p:fade/>
+      </p:transition>
+    </mc:Fallback>
+  </mc:AlternateContent>
+</p:sld>
+</file>
+
+<file path=ppt/slides/slide12.xml><?xml version="1.0" encoding="utf-8"?>
+<p:sld xmlns:a="http://schemas.openxmlformats.org/drawingml/2006/main" xmlns:r="http://schemas.openxmlformats.org/officeDocument/2006/relationships" xmlns:p="http://schemas.openxmlformats.org/presentationml/2006/main">
+  <p:cSld>
+    <p:spTree>
+      <p:nvGrpSpPr>
+        <p:cNvPr id="1" name="">
+          <a:extLst>
+            <a:ext uri="{FF2B5EF4-FFF2-40B4-BE49-F238E27FC236}">
+              <a16:creationId xmlns:a16="http://schemas.microsoft.com/office/drawing/2014/main" id="{8D297490-0DED-B7A4-A16B-FAFD06BD2B55}"/>
+            </a:ext>
+          </a:extLst>
+        </p:cNvPr>
+        <p:cNvGrpSpPr/>
+        <p:nvPr/>
+      </p:nvGrpSpPr>
+      <p:grpSpPr>
+        <a:xfrm>
+          <a:off x="0" y="0"/>
+          <a:ext cx="0" cy="0"/>
+          <a:chOff x="0" y="0"/>
+          <a:chExt cx="0" cy="0"/>
+        </a:xfrm>
+      </p:grpSpPr>
+      <p:sp>
+        <p:nvSpPr>
+          <p:cNvPr id="2" name="Title 1">
+            <a:extLst>
+              <a:ext uri="{FF2B5EF4-FFF2-40B4-BE49-F238E27FC236}">
+                <a16:creationId xmlns:a16="http://schemas.microsoft.com/office/drawing/2014/main" id="{015E6B9A-CFEE-1B76-DDD7-DB76142C3CD8}"/>
+              </a:ext>
+            </a:extLst>
+          </p:cNvPr>
+          <p:cNvSpPr>
+            <a:spLocks noGrp="1"/>
+          </p:cNvSpPr>
+          <p:nvPr>
+            <p:ph type="title"/>
+          </p:nvPr>
+        </p:nvSpPr>
+        <p:spPr/>
+        <p:txBody>
+          <a:bodyPr/>
+          <a:lstStyle/>
+          <a:p>
+            <a:r>
+              <a:rPr lang="en-NL" dirty="0"/>
+              <a:t>Web API</a:t>
+            </a:r>
+          </a:p>
+        </p:txBody>
+      </p:sp>
+      <p:sp>
+        <p:nvSpPr>
+          <p:cNvPr id="3" name="Content Placeholder 2">
+            <a:extLst>
+              <a:ext uri="{FF2B5EF4-FFF2-40B4-BE49-F238E27FC236}">
+                <a16:creationId xmlns:a16="http://schemas.microsoft.com/office/drawing/2014/main" id="{2D3EED17-8C80-B638-A7B1-4F274C38DDF9}"/>
+              </a:ext>
+            </a:extLst>
+          </p:cNvPr>
+          <p:cNvSpPr>
+            <a:spLocks noGrp="1"/>
+          </p:cNvSpPr>
+          <p:nvPr>
+            <p:ph idx="1"/>
+          </p:nvPr>
+        </p:nvSpPr>
+        <p:spPr/>
+        <p:txBody>
+          <a:bodyPr/>
+          <a:lstStyle/>
+          <a:p>
+            <a:pPr marL="342900" indent="-342900" algn="l" fontAlgn="base">
+              <a:buFont typeface="Arial" panose="020B0604020202020204" pitchFamily="34" charset="0"/>
+              <a:buChar char="•"/>
+            </a:pPr>
+            <a:r>
+              <a:rPr lang="en-GB" b="0" i="0" u="none" strike="noStrike" dirty="0">
+                <a:solidFill>
+                  <a:srgbClr val="333333"/>
+                </a:solidFill>
+                <a:effectLst/>
+                <a:latin typeface="Roboto" panose="02000000000000000000" pitchFamily="2" charset="0"/>
+              </a:rPr>
+              <a:t>Writing a robot application with Misty’s Web API typically involves two things:</a:t>
+            </a:r>
+          </a:p>
+          <a:p>
+            <a:pPr marL="612893" lvl="2" indent="-342900" fontAlgn="base"/>
+            <a:r>
+              <a:rPr lang="en-GB" b="0" i="0" u="none" strike="noStrike" dirty="0">
+                <a:solidFill>
+                  <a:srgbClr val="00ADEF"/>
+                </a:solidFill>
+                <a:effectLst/>
+                <a:latin typeface="Roboto" panose="02000000000000000000" pitchFamily="2" charset="0"/>
+                <a:hlinkClick r:id="rId2"/>
+              </a:rPr>
+              <a:t>sending requests</a:t>
+            </a:r>
+            <a:r>
+              <a:rPr lang="en-GB" b="0" i="0" u="none" strike="noStrike" dirty="0">
+                <a:solidFill>
+                  <a:srgbClr val="333333"/>
+                </a:solidFill>
+                <a:effectLst/>
+                <a:latin typeface="Roboto" panose="02000000000000000000" pitchFamily="2" charset="0"/>
+              </a:rPr>
+              <a:t> to Misty's HTTP API endpoints</a:t>
+            </a:r>
+          </a:p>
+          <a:p>
+            <a:pPr marL="612893" lvl="2" indent="-342900" fontAlgn="base"/>
+            <a:r>
+              <a:rPr lang="en-GB" b="0" i="0" u="none" strike="noStrike" dirty="0">
+                <a:solidFill>
+                  <a:srgbClr val="00ADEF"/>
+                </a:solidFill>
+                <a:effectLst/>
+                <a:latin typeface="Roboto" panose="02000000000000000000" pitchFamily="2" charset="0"/>
+                <a:hlinkClick r:id="rId3"/>
+              </a:rPr>
+              <a:t>getting live data</a:t>
+            </a:r>
+            <a:r>
+              <a:rPr lang="en-GB" b="0" i="0" u="none" strike="noStrike" dirty="0">
+                <a:solidFill>
+                  <a:srgbClr val="333333"/>
+                </a:solidFill>
+                <a:effectLst/>
+                <a:latin typeface="Roboto" panose="02000000000000000000" pitchFamily="2" charset="0"/>
+              </a:rPr>
+              <a:t> from Misty's sensors and other event types via WebSocket connections</a:t>
+            </a:r>
+          </a:p>
+          <a:p>
+            <a:pPr marL="342900" indent="-342900">
+              <a:buFont typeface="Arial" panose="020B0604020202020204" pitchFamily="34" charset="0"/>
+              <a:buChar char="•"/>
+            </a:pPr>
+            <a:r>
+              <a:rPr lang="en-GB" b="0" i="0" u="none" strike="noStrike" dirty="0">
+                <a:solidFill>
+                  <a:srgbClr val="333333"/>
+                </a:solidFill>
+                <a:effectLst/>
+                <a:latin typeface="Roboto" panose="02000000000000000000" pitchFamily="2" charset="0"/>
+              </a:rPr>
+              <a:t>There are different ways to send HTTP requests - for example, by </a:t>
+            </a:r>
+            <a:r>
+              <a:rPr lang="en-GB" b="1" i="0" u="none" strike="noStrike" dirty="0">
+                <a:solidFill>
+                  <a:srgbClr val="333333"/>
+                </a:solidFill>
+                <a:effectLst/>
+                <a:latin typeface="Roboto" panose="02000000000000000000" pitchFamily="2" charset="0"/>
+              </a:rPr>
+              <a:t>writing HTTP client code</a:t>
+            </a:r>
+            <a:r>
+              <a:rPr lang="en-GB" b="0" i="0" u="none" strike="noStrike" dirty="0">
+                <a:solidFill>
+                  <a:srgbClr val="333333"/>
+                </a:solidFill>
+                <a:effectLst/>
+                <a:latin typeface="Roboto" panose="02000000000000000000" pitchFamily="2" charset="0"/>
+              </a:rPr>
+              <a:t>, or by </a:t>
+            </a:r>
+            <a:r>
+              <a:rPr lang="en-GB" b="0" i="0" u="none" strike="noStrike" dirty="0">
+                <a:solidFill>
+                  <a:srgbClr val="00ADEF"/>
+                </a:solidFill>
+                <a:effectLst/>
+                <a:latin typeface="Roboto" panose="02000000000000000000" pitchFamily="2" charset="0"/>
+                <a:hlinkClick r:id="rId4"/>
+              </a:rPr>
+              <a:t>using the </a:t>
+            </a:r>
+            <a:r>
+              <a:rPr lang="en-GB" b="1" i="0" u="none" strike="noStrike" dirty="0">
+                <a:solidFill>
+                  <a:srgbClr val="00ADEF"/>
+                </a:solidFill>
+                <a:effectLst/>
+                <a:latin typeface="Roboto" panose="02000000000000000000" pitchFamily="2" charset="0"/>
+                <a:hlinkClick r:id="rId4"/>
+              </a:rPr>
+              <a:t>API Explorer</a:t>
+            </a:r>
+            <a:r>
+              <a:rPr lang="en-GB" b="1" i="0" u="none" strike="noStrike" dirty="0">
+                <a:solidFill>
+                  <a:srgbClr val="333333"/>
+                </a:solidFill>
+                <a:effectLst/>
+                <a:latin typeface="Roboto" panose="02000000000000000000" pitchFamily="2" charset="0"/>
+              </a:rPr>
+              <a:t> </a:t>
+            </a:r>
+            <a:r>
+              <a:rPr lang="en-GB" b="0" i="0" u="none" strike="noStrike" dirty="0">
+                <a:solidFill>
+                  <a:srgbClr val="333333"/>
+                </a:solidFill>
+                <a:effectLst/>
+                <a:latin typeface="Roboto" panose="02000000000000000000" pitchFamily="2" charset="0"/>
+              </a:rPr>
+              <a:t>or a </a:t>
+            </a:r>
+            <a:r>
+              <a:rPr lang="en-GB" b="1" i="0" u="none" strike="noStrike" dirty="0">
+                <a:solidFill>
+                  <a:srgbClr val="333333"/>
+                </a:solidFill>
+                <a:effectLst/>
+                <a:latin typeface="Roboto" panose="02000000000000000000" pitchFamily="2" charset="0"/>
+              </a:rPr>
+              <a:t>REST client tool </a:t>
+            </a:r>
+            <a:r>
+              <a:rPr lang="en-GB" b="0" i="0" u="none" strike="noStrike" dirty="0">
+                <a:solidFill>
+                  <a:srgbClr val="333333"/>
+                </a:solidFill>
+                <a:effectLst/>
+                <a:latin typeface="Roboto" panose="02000000000000000000" pitchFamily="2" charset="0"/>
+              </a:rPr>
+              <a:t>on a laptop connected to the same network as Misty</a:t>
+            </a:r>
+          </a:p>
+          <a:p>
+            <a:pPr marL="612893" lvl="2" indent="-342900"/>
+            <a:r>
+              <a:rPr lang="en-GB" dirty="0">
+                <a:solidFill>
+                  <a:srgbClr val="333333"/>
+                </a:solidFill>
+                <a:latin typeface="Roboto" panose="02000000000000000000" pitchFamily="2" charset="0"/>
+              </a:rPr>
+              <a:t>See </a:t>
+            </a:r>
+            <a:r>
+              <a:rPr lang="en-GB" dirty="0">
+                <a:solidFill>
+                  <a:srgbClr val="333333"/>
+                </a:solidFill>
+                <a:latin typeface="Roboto" panose="02000000000000000000" pitchFamily="2" charset="0"/>
+                <a:hlinkClick r:id="rId5"/>
+              </a:rPr>
+              <a:t>https://docs.mistyrobotics.com/misty-ii/web-api/overview/</a:t>
+            </a:r>
+            <a:r>
+              <a:rPr lang="en-GB" dirty="0">
+                <a:solidFill>
+                  <a:srgbClr val="333333"/>
+                </a:solidFill>
+                <a:latin typeface="Roboto" panose="02000000000000000000" pitchFamily="2" charset="0"/>
+              </a:rPr>
+              <a:t> for an overview</a:t>
+            </a:r>
+          </a:p>
+          <a:p>
+            <a:pPr marL="612893" lvl="2" indent="-342900"/>
+            <a:r>
+              <a:rPr lang="en-GB" b="0" i="0" u="none" strike="noStrike" dirty="0">
+                <a:solidFill>
+                  <a:srgbClr val="333333"/>
+                </a:solidFill>
+                <a:effectLst/>
+                <a:latin typeface="Roboto" panose="02000000000000000000" pitchFamily="2" charset="0"/>
+              </a:rPr>
+              <a:t>See </a:t>
+            </a:r>
+            <a:r>
+              <a:rPr lang="en-GB" b="0" i="0" u="none" strike="noStrike" dirty="0">
+                <a:solidFill>
+                  <a:srgbClr val="333333"/>
+                </a:solidFill>
+                <a:effectLst/>
+                <a:latin typeface="Roboto" panose="02000000000000000000" pitchFamily="2" charset="0"/>
+                <a:hlinkClick r:id="rId6"/>
+              </a:rPr>
+              <a:t>https://docs.mistyrobotics.com/misty-ii/web-api/api-reference/</a:t>
+            </a:r>
+            <a:r>
+              <a:rPr lang="en-GB" b="0" i="0" u="none" strike="noStrike" dirty="0">
+                <a:solidFill>
+                  <a:srgbClr val="333333"/>
+                </a:solidFill>
+                <a:effectLst/>
+                <a:latin typeface="Roboto" panose="02000000000000000000" pitchFamily="2" charset="0"/>
+              </a:rPr>
+              <a:t> for the API refe</a:t>
+            </a:r>
+            <a:r>
+              <a:rPr lang="en-GB" dirty="0">
+                <a:solidFill>
+                  <a:srgbClr val="333333"/>
+                </a:solidFill>
+                <a:latin typeface="Roboto" panose="02000000000000000000" pitchFamily="2" charset="0"/>
+              </a:rPr>
+              <a:t>rence guide</a:t>
+            </a:r>
+          </a:p>
+          <a:p>
+            <a:pPr marL="612893" lvl="2" indent="-342900"/>
+            <a:endParaRPr lang="en-GB" b="0" i="0" u="none" strike="noStrike" dirty="0">
+              <a:solidFill>
+                <a:srgbClr val="333333"/>
+              </a:solidFill>
+              <a:effectLst/>
+              <a:latin typeface="Roboto" panose="02000000000000000000" pitchFamily="2" charset="0"/>
+            </a:endParaRPr>
+          </a:p>
+          <a:p>
+            <a:pPr marL="342900" indent="-342900">
+              <a:buFont typeface="Arial" panose="020B0604020202020204" pitchFamily="34" charset="0"/>
+              <a:buChar char="•"/>
+            </a:pPr>
+            <a:endParaRPr lang="en-GB" dirty="0"/>
+          </a:p>
+        </p:txBody>
+      </p:sp>
+      <p:sp>
+        <p:nvSpPr>
+          <p:cNvPr id="4" name="Footer Placeholder 3">
+            <a:extLst>
+              <a:ext uri="{FF2B5EF4-FFF2-40B4-BE49-F238E27FC236}">
+                <a16:creationId xmlns:a16="http://schemas.microsoft.com/office/drawing/2014/main" id="{4B99031D-0C9B-11DD-293E-0F22FD95DCF0}"/>
+              </a:ext>
+            </a:extLst>
+          </p:cNvPr>
+          <p:cNvSpPr>
+            <a:spLocks noGrp="1"/>
+          </p:cNvSpPr>
+          <p:nvPr>
+            <p:ph type="ftr" sz="quarter" idx="11"/>
+          </p:nvPr>
+        </p:nvSpPr>
+        <p:spPr/>
+        <p:txBody>
+          <a:bodyPr/>
+          <a:lstStyle/>
+          <a:p>
+            <a:r>
+              <a:rPr lang="en-US"/>
+              <a:t>Title of Presentation – by Insert Header and Footer text</a:t>
+            </a:r>
+            <a:endParaRPr lang="en-US" dirty="0"/>
+          </a:p>
+        </p:txBody>
+      </p:sp>
+      <p:sp>
+        <p:nvSpPr>
+          <p:cNvPr id="5" name="Slide Number Placeholder 4">
+            <a:extLst>
+              <a:ext uri="{FF2B5EF4-FFF2-40B4-BE49-F238E27FC236}">
+                <a16:creationId xmlns:a16="http://schemas.microsoft.com/office/drawing/2014/main" id="{16444DBE-D02E-2A57-46E5-E7146AB59635}"/>
+              </a:ext>
+            </a:extLst>
+          </p:cNvPr>
+          <p:cNvSpPr>
+            <a:spLocks noGrp="1"/>
+          </p:cNvSpPr>
+          <p:nvPr>
+            <p:ph type="sldNum" sz="quarter" idx="12"/>
+          </p:nvPr>
+        </p:nvSpPr>
+        <p:spPr/>
+        <p:txBody>
+          <a:bodyPr/>
+          <a:lstStyle/>
+          <a:p>
+            <a:fld id="{B7CEC10D-CD46-426F-915E-6C78530279CB}" type="slidenum">
+              <a:rPr lang="en-US" smtClean="0"/>
+              <a:t>12</a:t>
+            </a:fld>
+            <a:endParaRPr lang="en-US" dirty="0"/>
+          </a:p>
+        </p:txBody>
+      </p:sp>
+    </p:spTree>
+    <p:extLst>
+      <p:ext uri="{BB962C8B-B14F-4D97-AF65-F5344CB8AC3E}">
+        <p14:creationId xmlns:p14="http://schemas.microsoft.com/office/powerpoint/2010/main" val="3617576715"/>
+      </p:ext>
+    </p:extLst>
+  </p:cSld>
+  <p:clrMapOvr>
+    <a:masterClrMapping/>
+  </p:clrMapOvr>
+  <mc:AlternateContent xmlns:mc="http://schemas.openxmlformats.org/markup-compatibility/2006">
+    <mc:Choice xmlns:p14="http://schemas.microsoft.com/office/powerpoint/2010/main" Requires="p14">
+      <p:transition spd="med" p14:dur="700">
+        <p:fade/>
+      </p:transition>
+    </mc:Choice>
+    <mc:Fallback>
+      <p:transition spd="med">
+        <p:fade/>
+      </p:transition>
+    </mc:Fallback>
+  </mc:AlternateContent>
+</p:sld>
+</file>
+
+<file path=ppt/slides/slide13.xml><?xml version="1.0" encoding="utf-8"?>
+<p:sld xmlns:a="http://schemas.openxmlformats.org/drawingml/2006/main" xmlns:r="http://schemas.openxmlformats.org/officeDocument/2006/relationships" xmlns:p="http://schemas.openxmlformats.org/presentationml/2006/main">
+  <p:cSld>
+    <p:spTree>
+      <p:nvGrpSpPr>
+        <p:cNvPr id="1" name="">
+          <a:extLst>
+            <a:ext uri="{FF2B5EF4-FFF2-40B4-BE49-F238E27FC236}">
+              <a16:creationId xmlns:a16="http://schemas.microsoft.com/office/drawing/2014/main" id="{8D297490-0DED-B7A4-A16B-FAFD06BD2B55}"/>
+            </a:ext>
+          </a:extLst>
+        </p:cNvPr>
+        <p:cNvGrpSpPr/>
+        <p:nvPr/>
+      </p:nvGrpSpPr>
+      <p:grpSpPr>
+        <a:xfrm>
+          <a:off x="0" y="0"/>
+          <a:ext cx="0" cy="0"/>
+          <a:chOff x="0" y="0"/>
+          <a:chExt cx="0" cy="0"/>
+        </a:xfrm>
+      </p:grpSpPr>
+      <p:sp>
+        <p:nvSpPr>
+          <p:cNvPr id="2" name="Title 1">
+            <a:extLst>
+              <a:ext uri="{FF2B5EF4-FFF2-40B4-BE49-F238E27FC236}">
+                <a16:creationId xmlns:a16="http://schemas.microsoft.com/office/drawing/2014/main" id="{015E6B9A-CFEE-1B76-DDD7-DB76142C3CD8}"/>
+              </a:ext>
+            </a:extLst>
+          </p:cNvPr>
+          <p:cNvSpPr>
+            <a:spLocks noGrp="1"/>
+          </p:cNvSpPr>
+          <p:nvPr>
+            <p:ph type="title"/>
+          </p:nvPr>
+        </p:nvSpPr>
+        <p:spPr/>
+        <p:txBody>
+          <a:bodyPr/>
+          <a:lstStyle/>
+          <a:p>
+            <a:r>
+              <a:rPr lang="en-NL" dirty="0"/>
+              <a:t>Python API</a:t>
+            </a:r>
+          </a:p>
+        </p:txBody>
+      </p:sp>
+      <p:sp>
+        <p:nvSpPr>
+          <p:cNvPr id="3" name="Content Placeholder 2">
+            <a:extLst>
+              <a:ext uri="{FF2B5EF4-FFF2-40B4-BE49-F238E27FC236}">
+                <a16:creationId xmlns:a16="http://schemas.microsoft.com/office/drawing/2014/main" id="{2D3EED17-8C80-B638-A7B1-4F274C38DDF9}"/>
+              </a:ext>
+            </a:extLst>
+          </p:cNvPr>
+          <p:cNvSpPr>
+            <a:spLocks noGrp="1"/>
+          </p:cNvSpPr>
+          <p:nvPr>
+            <p:ph idx="1"/>
+          </p:nvPr>
+        </p:nvSpPr>
+        <p:spPr/>
+        <p:txBody>
+          <a:bodyPr/>
+          <a:lstStyle/>
+          <a:p>
+            <a:pPr marL="342900" indent="-342900">
+              <a:buFont typeface="Arial" panose="020B0604020202020204" pitchFamily="34" charset="0"/>
+              <a:buChar char="•"/>
+            </a:pPr>
+            <a:r>
+              <a:rPr lang="en-GB" dirty="0"/>
+              <a:t>The WEB API can also be accessed from Python.</a:t>
+            </a:r>
+          </a:p>
+          <a:p>
+            <a:pPr marL="342900" indent="-342900">
+              <a:buFont typeface="Arial" panose="020B0604020202020204" pitchFamily="34" charset="0"/>
+              <a:buChar char="•"/>
+            </a:pPr>
+            <a:r>
+              <a:rPr lang="en-GB" dirty="0"/>
+              <a:t>Using Python 3.8 or higher do:</a:t>
+            </a:r>
+          </a:p>
+          <a:p>
+            <a:r>
+              <a:rPr lang="en-GB" dirty="0">
+                <a:latin typeface="Courier New" panose="02070309020205020404" pitchFamily="49" charset="0"/>
+                <a:cs typeface="Courier New" panose="02070309020205020404" pitchFamily="49" charset="0"/>
+              </a:rPr>
+              <a:t>	pip install Misty-SDK</a:t>
+            </a:r>
+          </a:p>
+          <a:p>
+            <a:pPr marL="342900" indent="-342900">
+              <a:buFont typeface="Arial" panose="020B0604020202020204" pitchFamily="34" charset="0"/>
+              <a:buChar char="•"/>
+            </a:pPr>
+            <a:r>
+              <a:rPr lang="en-GB" dirty="0"/>
+              <a:t>It will also install</a:t>
+            </a:r>
+          </a:p>
+          <a:p>
+            <a:pPr marL="269994" lvl="3" indent="0">
+              <a:buNone/>
+            </a:pPr>
+            <a:r>
+              <a:rPr lang="en-GB" sz="1400" b="0" i="0" u="none" strike="noStrike" dirty="0">
+                <a:solidFill>
+                  <a:srgbClr val="464646"/>
+                </a:solidFill>
+                <a:effectLst/>
+                <a:latin typeface="Courier New" panose="02070309020205020404" pitchFamily="49" charset="0"/>
+                <a:cs typeface="Courier New" panose="02070309020205020404" pitchFamily="49" charset="0"/>
+              </a:rPr>
+              <a:t>requests&gt;=2.25.1</a:t>
+            </a:r>
+            <a:br>
+              <a:rPr lang="en-GB" sz="1400" b="0" i="0" u="none" strike="noStrike" dirty="0">
+                <a:solidFill>
+                  <a:srgbClr val="464646"/>
+                </a:solidFill>
+                <a:effectLst/>
+                <a:latin typeface="Courier New" panose="02070309020205020404" pitchFamily="49" charset="0"/>
+                <a:cs typeface="Courier New" panose="02070309020205020404" pitchFamily="49" charset="0"/>
+              </a:rPr>
+            </a:br>
+            <a:r>
+              <a:rPr lang="en-GB" sz="1400" b="0" i="0" u="none" strike="noStrike" dirty="0" err="1">
+                <a:solidFill>
+                  <a:srgbClr val="464646"/>
+                </a:solidFill>
+                <a:effectLst/>
+                <a:latin typeface="Courier New" panose="02070309020205020404" pitchFamily="49" charset="0"/>
+                <a:cs typeface="Courier New" panose="02070309020205020404" pitchFamily="49" charset="0"/>
+              </a:rPr>
+              <a:t>websocket</a:t>
+            </a:r>
+            <a:r>
+              <a:rPr lang="en-GB" sz="1400" b="0" i="0" u="none" strike="noStrike" dirty="0">
+                <a:solidFill>
+                  <a:srgbClr val="464646"/>
+                </a:solidFill>
+                <a:effectLst/>
+                <a:latin typeface="Courier New" panose="02070309020205020404" pitchFamily="49" charset="0"/>
+                <a:cs typeface="Courier New" panose="02070309020205020404" pitchFamily="49" charset="0"/>
+              </a:rPr>
+              <a:t>-client&lt;=0.57.0</a:t>
+            </a:r>
+            <a:br>
+              <a:rPr lang="en-GB" sz="1400" b="0" i="0" u="none" strike="noStrike" dirty="0">
+                <a:solidFill>
+                  <a:srgbClr val="464646"/>
+                </a:solidFill>
+                <a:effectLst/>
+                <a:latin typeface="Courier New" panose="02070309020205020404" pitchFamily="49" charset="0"/>
+                <a:cs typeface="Courier New" panose="02070309020205020404" pitchFamily="49" charset="0"/>
+              </a:rPr>
+            </a:br>
+            <a:r>
+              <a:rPr lang="en-GB" sz="1400" b="0" i="0" u="none" strike="noStrike" dirty="0" err="1">
+                <a:solidFill>
+                  <a:srgbClr val="464646"/>
+                </a:solidFill>
+                <a:effectLst/>
+                <a:latin typeface="Courier New" panose="02070309020205020404" pitchFamily="49" charset="0"/>
+                <a:cs typeface="Courier New" panose="02070309020205020404" pitchFamily="49" charset="0"/>
+              </a:rPr>
+              <a:t>yapf</a:t>
+            </a:r>
+            <a:r>
+              <a:rPr lang="en-GB" sz="1400" b="0" i="0" u="none" strike="noStrike" dirty="0">
+                <a:solidFill>
+                  <a:srgbClr val="464646"/>
+                </a:solidFill>
+                <a:effectLst/>
+                <a:latin typeface="Courier New" panose="02070309020205020404" pitchFamily="49" charset="0"/>
+                <a:cs typeface="Courier New" panose="02070309020205020404" pitchFamily="49" charset="0"/>
+              </a:rPr>
+              <a:t>&gt;=0.30.0</a:t>
+            </a:r>
+            <a:endParaRPr lang="en-GB" dirty="0"/>
+          </a:p>
+          <a:p>
+            <a:pPr marL="342900" indent="-342900">
+              <a:buFont typeface="Arial" panose="020B0604020202020204" pitchFamily="34" charset="0"/>
+              <a:buChar char="•"/>
+            </a:pPr>
+            <a:r>
+              <a:rPr lang="en-GB" dirty="0"/>
+              <a:t>See </a:t>
+            </a:r>
+            <a:r>
+              <a:rPr lang="en-GB" dirty="0">
+                <a:hlinkClick r:id="rId2"/>
+              </a:rPr>
+              <a:t>https://github.com/MistyCommunity/Python-SDK</a:t>
+            </a:r>
+            <a:r>
+              <a:rPr lang="en-GB" dirty="0"/>
+              <a:t> for details and examples.</a:t>
+            </a:r>
+          </a:p>
+          <a:p>
+            <a:pPr marL="342900" indent="-342900">
+              <a:buFont typeface="Arial" panose="020B0604020202020204" pitchFamily="34" charset="0"/>
+              <a:buChar char="•"/>
+            </a:pPr>
+            <a:r>
+              <a:rPr lang="en-GB" dirty="0"/>
+              <a:t>Great if you want to use OpenCV or </a:t>
+            </a:r>
+            <a:r>
+              <a:rPr lang="en-GB" dirty="0" err="1"/>
+              <a:t>Mediapipe</a:t>
+            </a:r>
+            <a:r>
+              <a:rPr lang="en-GB" dirty="0"/>
+              <a:t> for advanced image processing</a:t>
+            </a:r>
+          </a:p>
+          <a:p>
+            <a:pPr marL="612893" lvl="2" indent="-342900"/>
+            <a:r>
+              <a:rPr lang="en-GB" dirty="0"/>
+              <a:t>Python 3.10 recommended</a:t>
+            </a:r>
+          </a:p>
+          <a:p>
+            <a:pPr marL="612893" lvl="2" indent="-342900"/>
+            <a:r>
+              <a:rPr lang="en-GB" dirty="0"/>
+              <a:t>https://</a:t>
+            </a:r>
+            <a:r>
+              <a:rPr lang="en-GB" dirty="0" err="1"/>
+              <a:t>ai.google.dev</a:t>
+            </a:r>
+            <a:r>
+              <a:rPr lang="en-GB" dirty="0"/>
+              <a:t>/edge/</a:t>
+            </a:r>
+            <a:r>
+              <a:rPr lang="en-GB" dirty="0" err="1"/>
+              <a:t>mediapipe</a:t>
+            </a:r>
+            <a:r>
+              <a:rPr lang="en-GB" dirty="0"/>
+              <a:t>/solutions/</a:t>
+            </a:r>
+            <a:r>
+              <a:rPr lang="en-GB" dirty="0" err="1"/>
+              <a:t>setup_python</a:t>
+            </a:r>
+            <a:endParaRPr lang="en-NL" dirty="0"/>
+          </a:p>
+        </p:txBody>
+      </p:sp>
+      <p:sp>
+        <p:nvSpPr>
+          <p:cNvPr id="4" name="Footer Placeholder 3">
+            <a:extLst>
+              <a:ext uri="{FF2B5EF4-FFF2-40B4-BE49-F238E27FC236}">
+                <a16:creationId xmlns:a16="http://schemas.microsoft.com/office/drawing/2014/main" id="{4B99031D-0C9B-11DD-293E-0F22FD95DCF0}"/>
+              </a:ext>
+            </a:extLst>
+          </p:cNvPr>
+          <p:cNvSpPr>
+            <a:spLocks noGrp="1"/>
+          </p:cNvSpPr>
+          <p:nvPr>
+            <p:ph type="ftr" sz="quarter" idx="11"/>
+          </p:nvPr>
+        </p:nvSpPr>
+        <p:spPr/>
+        <p:txBody>
+          <a:bodyPr/>
+          <a:lstStyle/>
+          <a:p>
+            <a:r>
+              <a:rPr lang="en-US"/>
+              <a:t>Title of Presentation – by Insert Header and Footer text</a:t>
+            </a:r>
+            <a:endParaRPr lang="en-US" dirty="0"/>
+          </a:p>
+        </p:txBody>
+      </p:sp>
+      <p:sp>
+        <p:nvSpPr>
+          <p:cNvPr id="5" name="Slide Number Placeholder 4">
+            <a:extLst>
+              <a:ext uri="{FF2B5EF4-FFF2-40B4-BE49-F238E27FC236}">
+                <a16:creationId xmlns:a16="http://schemas.microsoft.com/office/drawing/2014/main" id="{16444DBE-D02E-2A57-46E5-E7146AB59635}"/>
+              </a:ext>
+            </a:extLst>
+          </p:cNvPr>
+          <p:cNvSpPr>
+            <a:spLocks noGrp="1"/>
+          </p:cNvSpPr>
+          <p:nvPr>
+            <p:ph type="sldNum" sz="quarter" idx="12"/>
+          </p:nvPr>
+        </p:nvSpPr>
+        <p:spPr/>
+        <p:txBody>
+          <a:bodyPr/>
+          <a:lstStyle/>
+          <a:p>
+            <a:fld id="{B7CEC10D-CD46-426F-915E-6C78530279CB}" type="slidenum">
+              <a:rPr lang="en-US" smtClean="0"/>
+              <a:t>13</a:t>
+            </a:fld>
+            <a:endParaRPr lang="en-US" dirty="0"/>
+          </a:p>
+        </p:txBody>
+      </p:sp>
+    </p:spTree>
+    <p:extLst>
+      <p:ext uri="{BB962C8B-B14F-4D97-AF65-F5344CB8AC3E}">
+        <p14:creationId xmlns:p14="http://schemas.microsoft.com/office/powerpoint/2010/main" val="3384842476"/>
+      </p:ext>
+    </p:extLst>
+  </p:cSld>
+  <p:clrMapOvr>
+    <a:masterClrMapping/>
+  </p:clrMapOvr>
+  <mc:AlternateContent xmlns:mc="http://schemas.openxmlformats.org/markup-compatibility/2006">
+    <mc:Choice xmlns:p14="http://schemas.microsoft.com/office/powerpoint/2010/main" Requires="p14">
+      <p:transition spd="med" p14:dur="700">
+        <p:fade/>
+      </p:transition>
+    </mc:Choice>
+    <mc:Fallback>
+      <p:transition spd="med">
+        <p:fade/>
+      </p:transition>
+    </mc:Fallback>
+  </mc:AlternateContent>
+</p:sld>
+</file>
+
+<file path=ppt/slides/slide14.xml><?xml version="1.0" encoding="utf-8"?>
+<p:sld xmlns:a="http://schemas.openxmlformats.org/drawingml/2006/main" xmlns:r="http://schemas.openxmlformats.org/officeDocument/2006/relationships" xmlns:p="http://schemas.openxmlformats.org/presentationml/2006/main">
+  <p:cSld>
+    <p:spTree>
+      <p:nvGrpSpPr>
+        <p:cNvPr id="1" name=""/>
+        <p:cNvGrpSpPr/>
+        <p:nvPr/>
+      </p:nvGrpSpPr>
+      <p:grpSpPr>
+        <a:xfrm>
+          <a:off x="0" y="0"/>
+          <a:ext cx="0" cy="0"/>
+          <a:chOff x="0" y="0"/>
+          <a:chExt cx="0" cy="0"/>
+        </a:xfrm>
+      </p:grpSpPr>
+      <p:sp>
+        <p:nvSpPr>
+          <p:cNvPr id="2" name="Title 1">
+            <a:extLst>
+              <a:ext uri="{FF2B5EF4-FFF2-40B4-BE49-F238E27FC236}">
                 <a16:creationId xmlns:a16="http://schemas.microsoft.com/office/drawing/2014/main" id="{34E65955-E940-BC53-7028-F3C62B50E12C}"/>
               </a:ext>
             </a:extLst>
@@ -4857,7 +6144,7 @@
             </a:pPr>
             <a:r>
               <a:rPr lang="en-NL" dirty="0"/>
-              <a:t>These so-called skills run on the robot and are needed for real-time interaction</a:t>
+              <a:t>These so-called skills run on the robot and are needed for real-time interaction. For most purposes this can also be done using the Python API except that the robot needs to be connected to wifi</a:t>
             </a:r>
           </a:p>
           <a:p>
@@ -4897,7 +6184,40 @@
             </a:pPr>
             <a:r>
               <a:rPr lang="en-GB" dirty="0"/>
-              <a:t>It is also possible to access skills from a Python using a remote computer using the WEB API</a:t>
+              <a:t>It is also possible to access skills from a Python using a remote computer using the </a:t>
+            </a:r>
+            <a:r>
+              <a:rPr lang="en-GB" dirty="0">
+                <a:latin typeface="Courier New" panose="02070309020205020404" pitchFamily="49" charset="0"/>
+                <a:cs typeface="Courier New" panose="02070309020205020404" pitchFamily="49" charset="0"/>
+              </a:rPr>
+              <a:t>requests</a:t>
+            </a:r>
+            <a:r>
+              <a:rPr lang="en-GB" dirty="0"/>
+              <a:t>, </a:t>
+            </a:r>
+            <a:r>
+              <a:rPr lang="en-GB" dirty="0" err="1">
+                <a:latin typeface="Courier New" panose="02070309020205020404" pitchFamily="49" charset="0"/>
+                <a:cs typeface="Courier New" panose="02070309020205020404" pitchFamily="49" charset="0"/>
+              </a:rPr>
+              <a:t>json</a:t>
+            </a:r>
+            <a:r>
+              <a:rPr lang="en-GB" dirty="0"/>
+              <a:t> and </a:t>
+            </a:r>
+            <a:r>
+              <a:rPr lang="en-GB" dirty="0" err="1">
+                <a:latin typeface="Courier New" panose="02070309020205020404" pitchFamily="49" charset="0"/>
+                <a:cs typeface="Courier New" panose="02070309020205020404" pitchFamily="49" charset="0"/>
+              </a:rPr>
+              <a:t>websocket</a:t>
+            </a:r>
+            <a:r>
+              <a:rPr lang="en-GB" dirty="0"/>
+              <a:t> packages directly. You can send and receive http requests using the REST interface of the WEB API. However, this is already implemented in the Misty-SDK for Python, so it is better to use that instead.</a:t>
             </a:r>
             <a:endParaRPr lang="en-NL" dirty="0"/>
           </a:p>
@@ -4955,7 +6275,7 @@
           <a:p>
             <a:fld id="{B7CEC10D-CD46-426F-915E-6C78530279CB}" type="slidenum">
               <a:rPr lang="en-US" smtClean="0"/>
-              <a:t>10</a:t>
+              <a:t>14</a:t>
             </a:fld>
             <a:endParaRPr lang="en-US" dirty="0"/>
           </a:p>
@@ -5372,6 +6692,12 @@
           <a:lstStyle/>
           <a:p>
             <a:r>
+              <a:rPr lang="en-NL" dirty="0"/>
+              <a:t>Documentation can be found at: </a:t>
+            </a:r>
+          </a:p>
+          <a:p>
+            <a:r>
               <a:rPr lang="en-GB" dirty="0">
                 <a:hlinkClick r:id="rId2"/>
               </a:rPr>
@@ -5383,7 +6709,74 @@
             <a:endParaRPr lang="en-GB" dirty="0"/>
           </a:p>
           <a:p>
-            <a:endParaRPr lang="en-NL" dirty="0"/>
+            <a:r>
+              <a:rPr lang="en-GB" dirty="0"/>
+              <a:t>Please read “Misty II Overview” first.</a:t>
+            </a:r>
+          </a:p>
+          <a:p>
+            <a:endParaRPr lang="en-GB" dirty="0"/>
+          </a:p>
+          <a:p>
+            <a:r>
+              <a:rPr lang="en-GB" dirty="0"/>
+              <a:t>To take Misty out of the suitcase:</a:t>
+            </a:r>
+          </a:p>
+          <a:p>
+            <a:pPr marL="342900" indent="-342900">
+              <a:buFont typeface="Arial" panose="020B0604020202020204" pitchFamily="34" charset="0"/>
+              <a:buChar char="•"/>
+            </a:pPr>
+            <a:r>
+              <a:rPr lang="en-GB" b="1" dirty="0"/>
+              <a:t>Do not pull on the arms</a:t>
+            </a:r>
+          </a:p>
+          <a:p>
+            <a:pPr marL="342900" indent="-342900">
+              <a:buFont typeface="Arial" panose="020B0604020202020204" pitchFamily="34" charset="0"/>
+              <a:buChar char="•"/>
+            </a:pPr>
+            <a:r>
+              <a:rPr lang="en-GB" b="1" dirty="0"/>
+              <a:t>Do not use force</a:t>
+            </a:r>
+          </a:p>
+          <a:p>
+            <a:r>
+              <a:rPr lang="en-GB" dirty="0"/>
+              <a:t>To put Misty in the suitcase:</a:t>
+            </a:r>
+          </a:p>
+          <a:p>
+            <a:pPr marL="342900" indent="-342900">
+              <a:buFont typeface="Arial" panose="020B0604020202020204" pitchFamily="34" charset="0"/>
+              <a:buChar char="•"/>
+            </a:pPr>
+            <a:r>
+              <a:rPr lang="en-GB" dirty="0"/>
+              <a:t>Make sure the </a:t>
+            </a:r>
+            <a:r>
+              <a:rPr lang="en-GB" b="1" dirty="0"/>
+              <a:t>arms </a:t>
+            </a:r>
+            <a:r>
+              <a:rPr lang="en-GB" dirty="0"/>
+              <a:t>are </a:t>
+            </a:r>
+            <a:r>
+              <a:rPr lang="en-GB" b="1" dirty="0"/>
+              <a:t>slightly inclined </a:t>
+            </a:r>
+            <a:br>
+              <a:rPr lang="en-GB" dirty="0"/>
+            </a:br>
+            <a:r>
+              <a:rPr lang="en-GB" dirty="0"/>
+              <a:t>as shown in the picture</a:t>
+            </a:r>
           </a:p>
         </p:txBody>
       </p:sp>
@@ -5409,10 +6802,9 @@
           <a:lstStyle/>
           <a:p>
             <a:r>
-              <a:rPr lang="en-US"/>
+              <a:rPr lang="en-US" dirty="0"/>
               <a:t>Title of Presentation – by Insert Header and Footer text</a:t>
             </a:r>
-            <a:endParaRPr lang="en-US" dirty="0"/>
           </a:p>
         </p:txBody>
       </p:sp>
@@ -5445,6 +6837,53 @@
           </a:p>
         </p:txBody>
       </p:sp>
+      <p:pic>
+        <p:nvPicPr>
+          <p:cNvPr id="1026" name="Picture 2" descr="Unpacking Misty">
+            <a:extLst>
+              <a:ext uri="{FF2B5EF4-FFF2-40B4-BE49-F238E27FC236}">
+                <a16:creationId xmlns:a16="http://schemas.microsoft.com/office/drawing/2014/main" id="{6095F863-399B-A0CE-FF0A-24D8C1682B73}"/>
+              </a:ext>
+            </a:extLst>
+          </p:cNvPr>
+          <p:cNvPicPr>
+            <a:picLocks noChangeAspect="1" noChangeArrowheads="1"/>
+          </p:cNvPicPr>
+          <p:nvPr/>
+        </p:nvPicPr>
+        <p:blipFill>
+          <a:blip r:embed="rId3">
+            <a:extLst>
+              <a:ext uri="{28A0092B-C50C-407E-A947-70E740481C1C}">
+                <a14:useLocalDpi xmlns:a14="http://schemas.microsoft.com/office/drawing/2010/main" val="0"/>
+              </a:ext>
+            </a:extLst>
+          </a:blip>
+          <a:srcRect/>
+          <a:stretch>
+            <a:fillRect/>
+          </a:stretch>
+        </p:blipFill>
+        <p:spPr bwMode="auto">
+          <a:xfrm>
+            <a:off x="7570018" y="1788426"/>
+            <a:ext cx="3300078" cy="3558746"/>
+          </a:xfrm>
+          <a:prstGeom prst="rect">
+            <a:avLst/>
+          </a:prstGeom>
+          <a:noFill/>
+          <a:extLst>
+            <a:ext uri="{909E8E84-426E-40DD-AFC4-6F175D3DCCD1}">
+              <a14:hiddenFill xmlns:a14="http://schemas.microsoft.com/office/drawing/2010/main">
+                <a:solidFill>
+                  <a:srgbClr val="FFFFFF"/>
+                </a:solidFill>
+              </a14:hiddenFill>
+            </a:ext>
+          </a:extLst>
+        </p:spPr>
+      </p:pic>
     </p:spTree>
     <p:extLst>
       <p:ext uri="{BB962C8B-B14F-4D97-AF65-F5344CB8AC3E}">
@@ -5578,6 +7017,37 @@
             <a:r>
               <a:rPr lang="en-NL" dirty="0"/>
               <a:t>Provides tele-operation tool</a:t>
+            </a:r>
+          </a:p>
+          <a:p>
+            <a:pPr marL="342900" indent="-342900">
+              <a:buFont typeface="Arial" panose="020B0604020202020204" pitchFamily="34" charset="0"/>
+              <a:buChar char="•"/>
+            </a:pPr>
+            <a:endParaRPr lang="en-NL" dirty="0"/>
+          </a:p>
+          <a:p>
+            <a:r>
+              <a:rPr lang="en-NL" b="1" dirty="0"/>
+              <a:t>Note</a:t>
+            </a:r>
+            <a:r>
+              <a:rPr lang="en-NL" dirty="0"/>
+              <a:t>: you </a:t>
+            </a:r>
+            <a:r>
+              <a:rPr lang="en-NL" b="1" dirty="0"/>
+              <a:t>do not need this </a:t>
+            </a:r>
+            <a:r>
+              <a:rPr lang="en-NL" dirty="0"/>
+              <a:t>with our pre-configured router,</a:t>
+            </a:r>
+          </a:p>
+          <a:p>
+            <a:r>
+              <a:rPr lang="en-NL" dirty="0"/>
+              <a:t>IP address is 192.168.0.100</a:t>
             </a:r>
           </a:p>
         </p:txBody>
@@ -6363,6 +7833,348 @@
   <p:cSld>
     <p:spTree>
       <p:nvGrpSpPr>
+        <p:cNvPr id="1" name="">
+          <a:extLst>
+            <a:ext uri="{FF2B5EF4-FFF2-40B4-BE49-F238E27FC236}">
+              <a16:creationId xmlns:a16="http://schemas.microsoft.com/office/drawing/2014/main" id="{17D19EAF-929D-9F4A-FDCC-34D73D559128}"/>
+            </a:ext>
+          </a:extLst>
+        </p:cNvPr>
+        <p:cNvGrpSpPr/>
+        <p:nvPr/>
+      </p:nvGrpSpPr>
+      <p:grpSpPr>
+        <a:xfrm>
+          <a:off x="0" y="0"/>
+          <a:ext cx="0" cy="0"/>
+          <a:chOff x="0" y="0"/>
+          <a:chExt cx="0" cy="0"/>
+        </a:xfrm>
+      </p:grpSpPr>
+      <p:sp>
+        <p:nvSpPr>
+          <p:cNvPr id="2" name="Title 1">
+            <a:extLst>
+              <a:ext uri="{FF2B5EF4-FFF2-40B4-BE49-F238E27FC236}">
+                <a16:creationId xmlns:a16="http://schemas.microsoft.com/office/drawing/2014/main" id="{A6B4D690-8BA8-8002-BE51-0651A1538ACF}"/>
+              </a:ext>
+            </a:extLst>
+          </p:cNvPr>
+          <p:cNvSpPr>
+            <a:spLocks noGrp="1"/>
+          </p:cNvSpPr>
+          <p:nvPr>
+            <p:ph type="title"/>
+          </p:nvPr>
+        </p:nvSpPr>
+        <p:spPr/>
+        <p:txBody>
+          <a:bodyPr/>
+          <a:lstStyle/>
+          <a:p>
+            <a:r>
+              <a:rPr lang="en-NL" dirty="0"/>
+              <a:t>Web Interface</a:t>
+            </a:r>
+          </a:p>
+        </p:txBody>
+      </p:sp>
+      <p:sp>
+        <p:nvSpPr>
+          <p:cNvPr id="3" name="Content Placeholder 2">
+            <a:extLst>
+              <a:ext uri="{FF2B5EF4-FFF2-40B4-BE49-F238E27FC236}">
+                <a16:creationId xmlns:a16="http://schemas.microsoft.com/office/drawing/2014/main" id="{884FF72E-584B-C9C4-B8A7-01473A217D32}"/>
+              </a:ext>
+            </a:extLst>
+          </p:cNvPr>
+          <p:cNvSpPr>
+            <a:spLocks noGrp="1"/>
+          </p:cNvSpPr>
+          <p:nvPr>
+            <p:ph idx="1"/>
+          </p:nvPr>
+        </p:nvSpPr>
+        <p:spPr/>
+        <p:txBody>
+          <a:bodyPr/>
+          <a:lstStyle/>
+          <a:p>
+            <a:pPr marL="342900" indent="-342900">
+              <a:buFont typeface="Arial" panose="020B0604020202020204" pitchFamily="34" charset="0"/>
+              <a:buChar char="•"/>
+            </a:pPr>
+            <a:r>
+              <a:rPr lang="en-NL" dirty="0"/>
+              <a:t>Open the </a:t>
+            </a:r>
+            <a:r>
+              <a:rPr lang="en-NL" b="1" dirty="0"/>
+              <a:t>web browser </a:t>
+            </a:r>
+            <a:r>
+              <a:rPr lang="en-NL" dirty="0"/>
+              <a:t>a</a:t>
+            </a:r>
+            <a:r>
+              <a:rPr lang="en-GB" dirty="0" err="1"/>
+              <a:t>nd</a:t>
+            </a:r>
+            <a:r>
+              <a:rPr lang="en-NL" dirty="0"/>
+              <a:t> go to Misty’s ip-address, usually </a:t>
+            </a:r>
+            <a:r>
+              <a:rPr lang="en-NL" b="1" dirty="0"/>
+              <a:t>192.168.0.100</a:t>
+            </a:r>
+          </a:p>
+          <a:p>
+            <a:pPr marL="342900" indent="-342900">
+              <a:buFont typeface="Arial" panose="020B0604020202020204" pitchFamily="34" charset="0"/>
+              <a:buChar char="•"/>
+            </a:pPr>
+            <a:r>
+              <a:rPr lang="en-GB" dirty="0"/>
+              <a:t>Enter your robot's IP address in the upper-right hand corner of the page and click the </a:t>
+            </a:r>
+            <a:r>
+              <a:rPr lang="en-GB" b="1" dirty="0"/>
+              <a:t>Connect</a:t>
+            </a:r>
+            <a:r>
+              <a:rPr lang="en-GB" dirty="0"/>
+              <a:t> button</a:t>
+            </a:r>
+          </a:p>
+        </p:txBody>
+      </p:sp>
+      <p:sp>
+        <p:nvSpPr>
+          <p:cNvPr id="4" name="Footer Placeholder 3">
+            <a:extLst>
+              <a:ext uri="{FF2B5EF4-FFF2-40B4-BE49-F238E27FC236}">
+                <a16:creationId xmlns:a16="http://schemas.microsoft.com/office/drawing/2014/main" id="{531F5B2B-656E-B211-77D8-F6B0DFE98F92}"/>
+              </a:ext>
+            </a:extLst>
+          </p:cNvPr>
+          <p:cNvSpPr>
+            <a:spLocks noGrp="1"/>
+          </p:cNvSpPr>
+          <p:nvPr>
+            <p:ph type="ftr" sz="quarter" idx="11"/>
+          </p:nvPr>
+        </p:nvSpPr>
+        <p:spPr/>
+        <p:txBody>
+          <a:bodyPr/>
+          <a:lstStyle/>
+          <a:p>
+            <a:r>
+              <a:rPr lang="en-US"/>
+              <a:t>Title of Presentation – by Insert Header and Footer text</a:t>
+            </a:r>
+            <a:endParaRPr lang="en-US" dirty="0"/>
+          </a:p>
+        </p:txBody>
+      </p:sp>
+      <p:sp>
+        <p:nvSpPr>
+          <p:cNvPr id="5" name="Slide Number Placeholder 4">
+            <a:extLst>
+              <a:ext uri="{FF2B5EF4-FFF2-40B4-BE49-F238E27FC236}">
+                <a16:creationId xmlns:a16="http://schemas.microsoft.com/office/drawing/2014/main" id="{95888E14-EF5C-5594-5C46-C9A14E5CBEB9}"/>
+              </a:ext>
+            </a:extLst>
+          </p:cNvPr>
+          <p:cNvSpPr>
+            <a:spLocks noGrp="1"/>
+          </p:cNvSpPr>
+          <p:nvPr>
+            <p:ph type="sldNum" sz="quarter" idx="12"/>
+          </p:nvPr>
+        </p:nvSpPr>
+        <p:spPr/>
+        <p:txBody>
+          <a:bodyPr/>
+          <a:lstStyle/>
+          <a:p>
+            <a:fld id="{B7CEC10D-CD46-426F-915E-6C78530279CB}" type="slidenum">
+              <a:rPr lang="en-US" smtClean="0"/>
+              <a:t>8</a:t>
+            </a:fld>
+            <a:endParaRPr lang="en-US" dirty="0"/>
+          </a:p>
+        </p:txBody>
+      </p:sp>
+      <p:pic>
+        <p:nvPicPr>
+          <p:cNvPr id="1026" name="Picture 2" descr="Left Navigation">
+            <a:extLst>
+              <a:ext uri="{FF2B5EF4-FFF2-40B4-BE49-F238E27FC236}">
+                <a16:creationId xmlns:a16="http://schemas.microsoft.com/office/drawing/2014/main" id="{C716A3D1-0D98-483B-8B11-F171B99971CA}"/>
+              </a:ext>
+            </a:extLst>
+          </p:cNvPr>
+          <p:cNvPicPr>
+            <a:picLocks noChangeAspect="1" noChangeArrowheads="1"/>
+          </p:cNvPicPr>
+          <p:nvPr/>
+        </p:nvPicPr>
+        <p:blipFill>
+          <a:blip r:embed="rId2">
+            <a:extLst>
+              <a:ext uri="{28A0092B-C50C-407E-A947-70E740481C1C}">
+                <a14:useLocalDpi xmlns:a14="http://schemas.microsoft.com/office/drawing/2010/main" val="0"/>
+              </a:ext>
+            </a:extLst>
+          </a:blip>
+          <a:srcRect/>
+          <a:stretch>
+            <a:fillRect/>
+          </a:stretch>
+        </p:blipFill>
+        <p:spPr bwMode="auto">
+          <a:xfrm>
+            <a:off x="1214126" y="2767798"/>
+            <a:ext cx="1314618" cy="3325028"/>
+          </a:xfrm>
+          <a:prstGeom prst="rect">
+            <a:avLst/>
+          </a:prstGeom>
+          <a:noFill/>
+          <a:extLst>
+            <a:ext uri="{909E8E84-426E-40DD-AFC4-6F175D3DCCD1}">
+              <a14:hiddenFill xmlns:a14="http://schemas.microsoft.com/office/drawing/2010/main">
+                <a:solidFill>
+                  <a:srgbClr val="FFFFFF"/>
+                </a:solidFill>
+              </a14:hiddenFill>
+            </a:ext>
+          </a:extLst>
+        </p:spPr>
+      </p:pic>
+      <p:sp>
+        <p:nvSpPr>
+          <p:cNvPr id="6" name="TextBox 5">
+            <a:extLst>
+              <a:ext uri="{FF2B5EF4-FFF2-40B4-BE49-F238E27FC236}">
+                <a16:creationId xmlns:a16="http://schemas.microsoft.com/office/drawing/2014/main" id="{DEF1680D-ACA9-86AF-D02E-1C19AD573DEF}"/>
+              </a:ext>
+            </a:extLst>
+          </p:cNvPr>
+          <p:cNvSpPr txBox="1"/>
+          <p:nvPr/>
+        </p:nvSpPr>
+        <p:spPr>
+          <a:xfrm>
+            <a:off x="3965714" y="3011557"/>
+            <a:ext cx="6877878" cy="2585323"/>
+          </a:xfrm>
+          <a:prstGeom prst="rect">
+            <a:avLst/>
+          </a:prstGeom>
+          <a:noFill/>
+        </p:spPr>
+        <p:txBody>
+          <a:bodyPr wrap="square" rtlCol="0">
+            <a:spAutoFit/>
+          </a:bodyPr>
+          <a:lstStyle/>
+          <a:p>
+            <a:r>
+              <a:rPr lang="en-NL" b="1" dirty="0"/>
+              <a:t>Wizard</a:t>
+            </a:r>
+            <a:r>
+              <a:rPr lang="en-NL" dirty="0"/>
+              <a:t> – Simple web interface to operate t</a:t>
+            </a:r>
+            <a:r>
+              <a:rPr lang="en-GB" dirty="0"/>
+              <a:t>he</a:t>
+            </a:r>
+            <a:r>
+              <a:rPr lang="en-NL" dirty="0"/>
+              <a:t> robot</a:t>
+            </a:r>
+          </a:p>
+          <a:p>
+            <a:endParaRPr lang="en-NL" dirty="0"/>
+          </a:p>
+          <a:p>
+            <a:r>
+              <a:rPr lang="en-NL" b="1" dirty="0"/>
+              <a:t>Explore</a:t>
+            </a:r>
+            <a:r>
+              <a:rPr lang="en-NL" dirty="0"/>
+              <a:t> – Advanced web interface to interact with the robot</a:t>
+            </a:r>
+          </a:p>
+          <a:p>
+            <a:endParaRPr lang="en-NL" dirty="0"/>
+          </a:p>
+          <a:p>
+            <a:r>
+              <a:rPr lang="en-NL" b="1" dirty="0"/>
+              <a:t>Programming </a:t>
+            </a:r>
+            <a:r>
+              <a:rPr lang="en-NL" dirty="0"/>
+              <a:t>– Access to Blockly and Local Python version on the robot</a:t>
+            </a:r>
+          </a:p>
+          <a:p>
+            <a:endParaRPr lang="en-NL" dirty="0"/>
+          </a:p>
+          <a:p>
+            <a:r>
+              <a:rPr lang="en-NL" b="1" dirty="0"/>
+              <a:t>Tutorials – Please do all three of them!</a:t>
+            </a:r>
+          </a:p>
+          <a:p>
+            <a:endParaRPr lang="en-NL" b="1" dirty="0"/>
+          </a:p>
+          <a:p>
+            <a:r>
+              <a:rPr lang="en-NL" dirty="0"/>
+              <a:t>System – not needed</a:t>
+            </a:r>
+          </a:p>
+        </p:txBody>
+      </p:sp>
+    </p:spTree>
+    <p:extLst>
+      <p:ext uri="{BB962C8B-B14F-4D97-AF65-F5344CB8AC3E}">
+        <p14:creationId xmlns:p14="http://schemas.microsoft.com/office/powerpoint/2010/main" val="3475856420"/>
+      </p:ext>
+    </p:extLst>
+  </p:cSld>
+  <p:clrMapOvr>
+    <a:masterClrMapping/>
+  </p:clrMapOvr>
+  <mc:AlternateContent xmlns:mc="http://schemas.openxmlformats.org/markup-compatibility/2006">
+    <mc:Choice xmlns:p14="http://schemas.microsoft.com/office/powerpoint/2010/main" Requires="p14">
+      <p:transition spd="med" p14:dur="700">
+        <p:fade/>
+      </p:transition>
+    </mc:Choice>
+    <mc:Fallback>
+      <p:transition spd="med">
+        <p:fade/>
+      </p:transition>
+    </mc:Fallback>
+  </mc:AlternateContent>
+</p:sld>
+</file>
+
+<file path=ppt/slides/slide9.xml><?xml version="1.0" encoding="utf-8"?>
+<p:sld xmlns:a="http://schemas.openxmlformats.org/drawingml/2006/main" xmlns:r="http://schemas.openxmlformats.org/officeDocument/2006/relationships" xmlns:p="http://schemas.openxmlformats.org/presentationml/2006/main">
+  <p:cSld>
+    <p:spTree>
+      <p:nvGrpSpPr>
         <p:cNvPr id="1" name=""/>
         <p:cNvGrpSpPr/>
         <p:nvPr/>
@@ -6429,41 +8241,13 @@
               <a:buChar char="•"/>
             </a:pPr>
             <a:r>
-              <a:rPr lang="en-NL" dirty="0"/>
-              <a:t>Open the web browser a</a:t>
-            </a:r>
-            <a:r>
-              <a:rPr lang="en-GB" dirty="0" err="1"/>
-              <a:t>nd</a:t>
-            </a:r>
-            <a:r>
-              <a:rPr lang="en-NL" dirty="0"/>
-              <a:t> go to Misty’s ip-address</a:t>
-            </a:r>
-          </a:p>
-          <a:p>
-            <a:pPr marL="342900" indent="-342900">
-              <a:buFont typeface="Arial" panose="020B0604020202020204" pitchFamily="34" charset="0"/>
-              <a:buChar char="•"/>
-            </a:pPr>
-            <a:r>
-              <a:rPr lang="en-GB" dirty="0"/>
-              <a:t>Enter your robot's IP address in the upper-right hand corner of the page and click the </a:t>
-            </a:r>
-            <a:r>
-              <a:rPr lang="en-GB" b="1" dirty="0"/>
-              <a:t>Connect</a:t>
-            </a:r>
-            <a:r>
-              <a:rPr lang="en-GB" dirty="0"/>
-              <a:t> button</a:t>
-            </a:r>
-          </a:p>
-          <a:p>
-            <a:pPr marL="342900" indent="-342900">
-              <a:buFont typeface="Arial" panose="020B0604020202020204" pitchFamily="34" charset="0"/>
-              <a:buChar char="•"/>
-            </a:pPr>
+              <a:rPr lang="en-US" dirty="0"/>
+              <a:t>For wizard-of-Oz style of experiments:</a:t>
+            </a:r>
+            <a:endParaRPr lang="en-GB" dirty="0"/>
+          </a:p>
+          <a:p>
+            <a:pPr marL="612893" lvl="2" indent="-342900"/>
             <a:r>
               <a:rPr lang="en-GB" dirty="0"/>
               <a:t>Choose </a:t>
@@ -6532,7 +8316,7 @@
           <a:p>
             <a:fld id="{B7CEC10D-CD46-426F-915E-6C78530279CB}" type="slidenum">
               <a:rPr lang="en-US" smtClean="0"/>
-              <a:t>8</a:t>
+              <a:t>9</a:t>
             </a:fld>
             <a:endParaRPr lang="en-US" dirty="0"/>
           </a:p>
@@ -6567,7 +8351,7 @@
         </p:blipFill>
         <p:spPr bwMode="auto">
           <a:xfrm>
-            <a:off x="1214126" y="3272147"/>
+            <a:off x="957693" y="2536651"/>
             <a:ext cx="1314618" cy="3325028"/>
           </a:xfrm>
           <a:prstGeom prst="rect">
@@ -6589,205 +8373,6 @@
     <p:extLst>
       <p:ext uri="{BB962C8B-B14F-4D97-AF65-F5344CB8AC3E}">
         <p14:creationId xmlns:p14="http://schemas.microsoft.com/office/powerpoint/2010/main" val="841304199"/>
-      </p:ext>
-    </p:extLst>
-  </p:cSld>
-  <p:clrMapOvr>
-    <a:masterClrMapping/>
-  </p:clrMapOvr>
-  <mc:AlternateContent xmlns:mc="http://schemas.openxmlformats.org/markup-compatibility/2006" xmlns:p14="http://schemas.microsoft.com/office/powerpoint/2010/main">
-    <mc:Choice Requires="p14">
-      <p:transition spd="med" p14:dur="700">
-        <p:fade/>
-      </p:transition>
-    </mc:Choice>
-    <mc:Fallback xmlns="">
-      <p:transition spd="med">
-        <p:fade/>
-      </p:transition>
-    </mc:Fallback>
-  </mc:AlternateContent>
-</p:sld>
-</file>
-
-<file path=ppt/slides/slide9.xml><?xml version="1.0" encoding="utf-8"?>
-<p:sld xmlns:a="http://schemas.openxmlformats.org/drawingml/2006/main" xmlns:r="http://schemas.openxmlformats.org/officeDocument/2006/relationships" xmlns:p="http://schemas.openxmlformats.org/presentationml/2006/main">
-  <p:cSld>
-    <p:spTree>
-      <p:nvGrpSpPr>
-        <p:cNvPr id="1" name=""/>
-        <p:cNvGrpSpPr/>
-        <p:nvPr/>
-      </p:nvGrpSpPr>
-      <p:grpSpPr>
-        <a:xfrm>
-          <a:off x="0" y="0"/>
-          <a:ext cx="0" cy="0"/>
-          <a:chOff x="0" y="0"/>
-          <a:chExt cx="0" cy="0"/>
-        </a:xfrm>
-      </p:grpSpPr>
-      <p:sp>
-        <p:nvSpPr>
-          <p:cNvPr id="2" name="Title 1">
-            <a:extLst>
-              <a:ext uri="{FF2B5EF4-FFF2-40B4-BE49-F238E27FC236}">
-                <a16:creationId xmlns:a16="http://schemas.microsoft.com/office/drawing/2014/main" id="{34AA1CD8-9B9A-4233-0DBD-6748DF673408}"/>
-              </a:ext>
-            </a:extLst>
-          </p:cNvPr>
-          <p:cNvSpPr>
-            <a:spLocks noGrp="1"/>
-          </p:cNvSpPr>
-          <p:nvPr>
-            <p:ph type="title"/>
-          </p:nvPr>
-        </p:nvSpPr>
-        <p:spPr/>
-        <p:txBody>
-          <a:bodyPr/>
-          <a:lstStyle/>
-          <a:p>
-            <a:r>
-              <a:rPr lang="en-NL" dirty="0"/>
-              <a:t>Web API  + Python</a:t>
-            </a:r>
-          </a:p>
-        </p:txBody>
-      </p:sp>
-      <p:sp>
-        <p:nvSpPr>
-          <p:cNvPr id="3" name="Content Placeholder 2">
-            <a:extLst>
-              <a:ext uri="{FF2B5EF4-FFF2-40B4-BE49-F238E27FC236}">
-                <a16:creationId xmlns:a16="http://schemas.microsoft.com/office/drawing/2014/main" id="{0B8CD767-A585-8063-B098-F7103E5AEE8C}"/>
-              </a:ext>
-            </a:extLst>
-          </p:cNvPr>
-          <p:cNvSpPr>
-            <a:spLocks noGrp="1"/>
-          </p:cNvSpPr>
-          <p:nvPr>
-            <p:ph idx="1"/>
-          </p:nvPr>
-        </p:nvSpPr>
-        <p:spPr/>
-        <p:txBody>
-          <a:bodyPr/>
-          <a:lstStyle/>
-          <a:p>
-            <a:pPr marL="342900" indent="-342900">
-              <a:buFont typeface="Arial" panose="020B0604020202020204" pitchFamily="34" charset="0"/>
-              <a:buChar char="•"/>
-            </a:pPr>
-            <a:r>
-              <a:rPr lang="en-NL" dirty="0"/>
-              <a:t>To program misty it is easiest to use its WEB API</a:t>
-            </a:r>
-          </a:p>
-          <a:p>
-            <a:pPr marL="342900" indent="-342900">
-              <a:buFont typeface="Arial" panose="020B0604020202020204" pitchFamily="34" charset="0"/>
-              <a:buChar char="•"/>
-            </a:pPr>
-            <a:r>
-              <a:rPr lang="en-GB" dirty="0"/>
-              <a:t>open up the </a:t>
-            </a:r>
-            <a:r>
-              <a:rPr lang="en-GB" b="1" dirty="0"/>
-              <a:t>API Explorer </a:t>
-            </a:r>
-            <a:r>
-              <a:rPr lang="en-GB" dirty="0"/>
-              <a:t>web page, listed under 'Programming' within Misty Studio, to access all WEB access points directly</a:t>
-            </a:r>
-          </a:p>
-          <a:p>
-            <a:pPr marL="342900" indent="-342900">
-              <a:buFont typeface="Arial" panose="020B0604020202020204" pitchFamily="34" charset="0"/>
-              <a:buChar char="•"/>
-            </a:pPr>
-            <a:r>
-              <a:rPr lang="en-GB" dirty="0"/>
-              <a:t>The WEB API can also be accessed from Python. See </a:t>
-            </a:r>
-            <a:r>
-              <a:rPr lang="en-GB" dirty="0">
-                <a:hlinkClick r:id="rId2"/>
-              </a:rPr>
-              <a:t>https://github.com/MistyCommunity/Wrapper-Python</a:t>
-            </a:r>
-            <a:r>
-              <a:rPr lang="en-GB" dirty="0"/>
-              <a:t> for details and examples.</a:t>
-            </a:r>
-            <a:endParaRPr lang="en-NL" dirty="0"/>
-          </a:p>
-        </p:txBody>
-      </p:sp>
-      <p:sp>
-        <p:nvSpPr>
-          <p:cNvPr id="4" name="Footer Placeholder 3">
-            <a:extLst>
-              <a:ext uri="{FF2B5EF4-FFF2-40B4-BE49-F238E27FC236}">
-                <a16:creationId xmlns:a16="http://schemas.microsoft.com/office/drawing/2014/main" id="{D27EC8CD-99A7-5BBE-AA42-8B57A4A40BD4}"/>
-              </a:ext>
-            </a:extLst>
-          </p:cNvPr>
-          <p:cNvSpPr>
-            <a:spLocks noGrp="1"/>
-          </p:cNvSpPr>
-          <p:nvPr>
-            <p:ph type="ftr" sz="quarter" idx="11"/>
-          </p:nvPr>
-        </p:nvSpPr>
-        <p:spPr/>
-        <p:txBody>
-          <a:bodyPr/>
-          <a:lstStyle/>
-          <a:p>
-            <a:r>
-              <a:rPr lang="en-US"/>
-              <a:t>Title of Presentation – by Insert Header and Footer text</a:t>
-            </a:r>
-            <a:endParaRPr lang="en-US" dirty="0"/>
-          </a:p>
-        </p:txBody>
-      </p:sp>
-      <p:sp>
-        <p:nvSpPr>
-          <p:cNvPr id="5" name="Slide Number Placeholder 4">
-            <a:extLst>
-              <a:ext uri="{FF2B5EF4-FFF2-40B4-BE49-F238E27FC236}">
-                <a16:creationId xmlns:a16="http://schemas.microsoft.com/office/drawing/2014/main" id="{63CD6A86-286E-7FC7-B079-3FE662F2EDF4}"/>
-              </a:ext>
-            </a:extLst>
-          </p:cNvPr>
-          <p:cNvSpPr>
-            <a:spLocks noGrp="1"/>
-          </p:cNvSpPr>
-          <p:nvPr>
-            <p:ph type="sldNum" sz="quarter" idx="12"/>
-          </p:nvPr>
-        </p:nvSpPr>
-        <p:spPr/>
-        <p:txBody>
-          <a:bodyPr/>
-          <a:lstStyle/>
-          <a:p>
-            <a:fld id="{B7CEC10D-CD46-426F-915E-6C78530279CB}" type="slidenum">
-              <a:rPr lang="en-US" smtClean="0"/>
-              <a:t>9</a:t>
-            </a:fld>
-            <a:endParaRPr lang="en-US" dirty="0"/>
-          </a:p>
-        </p:txBody>
-      </p:sp>
-    </p:spTree>
-    <p:extLst>
-      <p:ext uri="{BB962C8B-B14F-4D97-AF65-F5344CB8AC3E}">
-        <p14:creationId xmlns:p14="http://schemas.microsoft.com/office/powerpoint/2010/main" val="2342064159"/>
       </p:ext>
     </p:extLst>
   </p:cSld>

--- a/Misty tutorial.pptx
+++ b/Misty tutorial.pptx
@@ -4,8 +4,11 @@
   <p:sldMasterIdLst>
     <p:sldMasterId id="2147483660" r:id="rId1"/>
   </p:sldMasterIdLst>
+  <p:notesMasterIdLst>
+    <p:notesMasterId r:id="rId16"/>
+  </p:notesMasterIdLst>
   <p:sldIdLst>
-    <p:sldId id="603" r:id="rId2"/>
+    <p:sldId id="618" r:id="rId2"/>
     <p:sldId id="604" r:id="rId3"/>
     <p:sldId id="605" r:id="rId4"/>
     <p:sldId id="609" r:id="rId5"/>
@@ -125,6 +128,505 @@
 </p:presentation>
 </file>
 
+<file path=ppt/notesMasters/notesMaster1.xml><?xml version="1.0" encoding="utf-8"?>
+<p:notesMaster xmlns:a="http://schemas.openxmlformats.org/drawingml/2006/main" xmlns:r="http://schemas.openxmlformats.org/officeDocument/2006/relationships" xmlns:p="http://schemas.openxmlformats.org/presentationml/2006/main">
+  <p:cSld>
+    <p:bg>
+      <p:bgRef idx="1001">
+        <a:schemeClr val="bg1"/>
+      </p:bgRef>
+    </p:bg>
+    <p:spTree>
+      <p:nvGrpSpPr>
+        <p:cNvPr id="1" name=""/>
+        <p:cNvGrpSpPr/>
+        <p:nvPr/>
+      </p:nvGrpSpPr>
+      <p:grpSpPr>
+        <a:xfrm>
+          <a:off x="0" y="0"/>
+          <a:ext cx="0" cy="0"/>
+          <a:chOff x="0" y="0"/>
+          <a:chExt cx="0" cy="0"/>
+        </a:xfrm>
+      </p:grpSpPr>
+      <p:sp>
+        <p:nvSpPr>
+          <p:cNvPr id="2" name="Header Placeholder 1"/>
+          <p:cNvSpPr>
+            <a:spLocks noGrp="1"/>
+          </p:cNvSpPr>
+          <p:nvPr>
+            <p:ph type="hdr" sz="quarter"/>
+          </p:nvPr>
+        </p:nvSpPr>
+        <p:spPr>
+          <a:xfrm>
+            <a:off x="0" y="0"/>
+            <a:ext cx="2971800" cy="458788"/>
+          </a:xfrm>
+          <a:prstGeom prst="rect">
+            <a:avLst/>
+          </a:prstGeom>
+        </p:spPr>
+        <p:txBody>
+          <a:bodyPr vert="horz" lIns="91440" tIns="45720" rIns="91440" bIns="45720" rtlCol="0"/>
+          <a:lstStyle>
+            <a:lvl1pPr algn="l">
+              <a:defRPr sz="1200"/>
+            </a:lvl1pPr>
+          </a:lstStyle>
+          <a:p>
+            <a:endParaRPr lang="en-NL"/>
+          </a:p>
+        </p:txBody>
+      </p:sp>
+      <p:sp>
+        <p:nvSpPr>
+          <p:cNvPr id="3" name="Date Placeholder 2"/>
+          <p:cNvSpPr>
+            <a:spLocks noGrp="1"/>
+          </p:cNvSpPr>
+          <p:nvPr>
+            <p:ph type="dt" idx="1"/>
+          </p:nvPr>
+        </p:nvSpPr>
+        <p:spPr>
+          <a:xfrm>
+            <a:off x="3884613" y="0"/>
+            <a:ext cx="2971800" cy="458788"/>
+          </a:xfrm>
+          <a:prstGeom prst="rect">
+            <a:avLst/>
+          </a:prstGeom>
+        </p:spPr>
+        <p:txBody>
+          <a:bodyPr vert="horz" lIns="91440" tIns="45720" rIns="91440" bIns="45720" rtlCol="0"/>
+          <a:lstStyle>
+            <a:lvl1pPr algn="r">
+              <a:defRPr sz="1200"/>
+            </a:lvl1pPr>
+          </a:lstStyle>
+          <a:p>
+            <a:fld id="{6A3D842E-6122-B848-B7FF-88633C775B81}" type="datetimeFigureOut">
+              <a:rPr lang="en-NL" smtClean="0"/>
+              <a:t>14/02/2025</a:t>
+            </a:fld>
+            <a:endParaRPr lang="en-NL"/>
+          </a:p>
+        </p:txBody>
+      </p:sp>
+      <p:sp>
+        <p:nvSpPr>
+          <p:cNvPr id="4" name="Slide Image Placeholder 3"/>
+          <p:cNvSpPr>
+            <a:spLocks noGrp="1" noRot="1" noChangeAspect="1"/>
+          </p:cNvSpPr>
+          <p:nvPr>
+            <p:ph type="sldImg" idx="2"/>
+          </p:nvPr>
+        </p:nvSpPr>
+        <p:spPr>
+          <a:xfrm>
+            <a:off x="685800" y="1143000"/>
+            <a:ext cx="5486400" cy="3086100"/>
+          </a:xfrm>
+          <a:prstGeom prst="rect">
+            <a:avLst/>
+          </a:prstGeom>
+          <a:noFill/>
+          <a:ln w="12700">
+            <a:solidFill>
+              <a:prstClr val="black"/>
+            </a:solidFill>
+          </a:ln>
+        </p:spPr>
+        <p:txBody>
+          <a:bodyPr vert="horz" lIns="91440" tIns="45720" rIns="91440" bIns="45720" rtlCol="0" anchor="ctr"/>
+          <a:lstStyle/>
+          <a:p>
+            <a:endParaRPr lang="en-NL"/>
+          </a:p>
+        </p:txBody>
+      </p:sp>
+      <p:sp>
+        <p:nvSpPr>
+          <p:cNvPr id="5" name="Notes Placeholder 4"/>
+          <p:cNvSpPr>
+            <a:spLocks noGrp="1"/>
+          </p:cNvSpPr>
+          <p:nvPr>
+            <p:ph type="body" sz="quarter" idx="3"/>
+          </p:nvPr>
+        </p:nvSpPr>
+        <p:spPr>
+          <a:xfrm>
+            <a:off x="685800" y="4400550"/>
+            <a:ext cx="5486400" cy="3600450"/>
+          </a:xfrm>
+          <a:prstGeom prst="rect">
+            <a:avLst/>
+          </a:prstGeom>
+        </p:spPr>
+        <p:txBody>
+          <a:bodyPr vert="horz" lIns="91440" tIns="45720" rIns="91440" bIns="45720" rtlCol="0"/>
+          <a:lstStyle/>
+          <a:p>
+            <a:pPr lvl="0"/>
+            <a:r>
+              <a:rPr lang="en-GB"/>
+              <a:t>Click to edit Master text styles</a:t>
+            </a:r>
+          </a:p>
+          <a:p>
+            <a:pPr lvl="1"/>
+            <a:r>
+              <a:rPr lang="en-GB"/>
+              <a:t>Second level</a:t>
+            </a:r>
+          </a:p>
+          <a:p>
+            <a:pPr lvl="2"/>
+            <a:r>
+              <a:rPr lang="en-GB"/>
+              <a:t>Third level</a:t>
+            </a:r>
+          </a:p>
+          <a:p>
+            <a:pPr lvl="3"/>
+            <a:r>
+              <a:rPr lang="en-GB"/>
+              <a:t>Fourth level</a:t>
+            </a:r>
+          </a:p>
+          <a:p>
+            <a:pPr lvl="4"/>
+            <a:r>
+              <a:rPr lang="en-GB"/>
+              <a:t>Fifth level</a:t>
+            </a:r>
+            <a:endParaRPr lang="en-NL"/>
+          </a:p>
+        </p:txBody>
+      </p:sp>
+      <p:sp>
+        <p:nvSpPr>
+          <p:cNvPr id="6" name="Footer Placeholder 5"/>
+          <p:cNvSpPr>
+            <a:spLocks noGrp="1"/>
+          </p:cNvSpPr>
+          <p:nvPr>
+            <p:ph type="ftr" sz="quarter" idx="4"/>
+          </p:nvPr>
+        </p:nvSpPr>
+        <p:spPr>
+          <a:xfrm>
+            <a:off x="0" y="8685213"/>
+            <a:ext cx="2971800" cy="458787"/>
+          </a:xfrm>
+          <a:prstGeom prst="rect">
+            <a:avLst/>
+          </a:prstGeom>
+        </p:spPr>
+        <p:txBody>
+          <a:bodyPr vert="horz" lIns="91440" tIns="45720" rIns="91440" bIns="45720" rtlCol="0" anchor="b"/>
+          <a:lstStyle>
+            <a:lvl1pPr algn="l">
+              <a:defRPr sz="1200"/>
+            </a:lvl1pPr>
+          </a:lstStyle>
+          <a:p>
+            <a:endParaRPr lang="en-NL"/>
+          </a:p>
+        </p:txBody>
+      </p:sp>
+      <p:sp>
+        <p:nvSpPr>
+          <p:cNvPr id="7" name="Slide Number Placeholder 6"/>
+          <p:cNvSpPr>
+            <a:spLocks noGrp="1"/>
+          </p:cNvSpPr>
+          <p:nvPr>
+            <p:ph type="sldNum" sz="quarter" idx="5"/>
+          </p:nvPr>
+        </p:nvSpPr>
+        <p:spPr>
+          <a:xfrm>
+            <a:off x="3884613" y="8685213"/>
+            <a:ext cx="2971800" cy="458787"/>
+          </a:xfrm>
+          <a:prstGeom prst="rect">
+            <a:avLst/>
+          </a:prstGeom>
+        </p:spPr>
+        <p:txBody>
+          <a:bodyPr vert="horz" lIns="91440" tIns="45720" rIns="91440" bIns="45720" rtlCol="0" anchor="b"/>
+          <a:lstStyle>
+            <a:lvl1pPr algn="r">
+              <a:defRPr sz="1200"/>
+            </a:lvl1pPr>
+          </a:lstStyle>
+          <a:p>
+            <a:fld id="{B4B5495B-4155-2E49-9A41-A3808434E98B}" type="slidenum">
+              <a:rPr lang="en-NL" smtClean="0"/>
+              <a:t>‹#›</a:t>
+            </a:fld>
+            <a:endParaRPr lang="en-NL"/>
+          </a:p>
+        </p:txBody>
+      </p:sp>
+    </p:spTree>
+    <p:extLst>
+      <p:ext uri="{BB962C8B-B14F-4D97-AF65-F5344CB8AC3E}">
+        <p14:creationId xmlns:p14="http://schemas.microsoft.com/office/powerpoint/2010/main" val="1653332194"/>
+      </p:ext>
+    </p:extLst>
+  </p:cSld>
+  <p:clrMap bg1="lt1" tx1="dk1" bg2="lt2" tx2="dk2" accent1="accent1" accent2="accent2" accent3="accent3" accent4="accent4" accent5="accent5" accent6="accent6" hlink="hlink" folHlink="folHlink"/>
+  <p:notesStyle>
+    <a:lvl1pPr marL="0" algn="l" defTabSz="914400" rtl="0" eaLnBrk="1" latinLnBrk="0" hangingPunct="1">
+      <a:defRPr sz="1200" kern="1200">
+        <a:solidFill>
+          <a:schemeClr val="tx1"/>
+        </a:solidFill>
+        <a:latin typeface="+mn-lt"/>
+        <a:ea typeface="+mn-ea"/>
+        <a:cs typeface="+mn-cs"/>
+      </a:defRPr>
+    </a:lvl1pPr>
+    <a:lvl2pPr marL="457200" algn="l" defTabSz="914400" rtl="0" eaLnBrk="1" latinLnBrk="0" hangingPunct="1">
+      <a:defRPr sz="1200" kern="1200">
+        <a:solidFill>
+          <a:schemeClr val="tx1"/>
+        </a:solidFill>
+        <a:latin typeface="+mn-lt"/>
+        <a:ea typeface="+mn-ea"/>
+        <a:cs typeface="+mn-cs"/>
+      </a:defRPr>
+    </a:lvl2pPr>
+    <a:lvl3pPr marL="914400" algn="l" defTabSz="914400" rtl="0" eaLnBrk="1" latinLnBrk="0" hangingPunct="1">
+      <a:defRPr sz="1200" kern="1200">
+        <a:solidFill>
+          <a:schemeClr val="tx1"/>
+        </a:solidFill>
+        <a:latin typeface="+mn-lt"/>
+        <a:ea typeface="+mn-ea"/>
+        <a:cs typeface="+mn-cs"/>
+      </a:defRPr>
+    </a:lvl3pPr>
+    <a:lvl4pPr marL="1371600" algn="l" defTabSz="914400" rtl="0" eaLnBrk="1" latinLnBrk="0" hangingPunct="1">
+      <a:defRPr sz="1200" kern="1200">
+        <a:solidFill>
+          <a:schemeClr val="tx1"/>
+        </a:solidFill>
+        <a:latin typeface="+mn-lt"/>
+        <a:ea typeface="+mn-ea"/>
+        <a:cs typeface="+mn-cs"/>
+      </a:defRPr>
+    </a:lvl4pPr>
+    <a:lvl5pPr marL="1828800" algn="l" defTabSz="914400" rtl="0" eaLnBrk="1" latinLnBrk="0" hangingPunct="1">
+      <a:defRPr sz="1200" kern="1200">
+        <a:solidFill>
+          <a:schemeClr val="tx1"/>
+        </a:solidFill>
+        <a:latin typeface="+mn-lt"/>
+        <a:ea typeface="+mn-ea"/>
+        <a:cs typeface="+mn-cs"/>
+      </a:defRPr>
+    </a:lvl5pPr>
+    <a:lvl6pPr marL="2286000" algn="l" defTabSz="914400" rtl="0" eaLnBrk="1" latinLnBrk="0" hangingPunct="1">
+      <a:defRPr sz="1200" kern="1200">
+        <a:solidFill>
+          <a:schemeClr val="tx1"/>
+        </a:solidFill>
+        <a:latin typeface="+mn-lt"/>
+        <a:ea typeface="+mn-ea"/>
+        <a:cs typeface="+mn-cs"/>
+      </a:defRPr>
+    </a:lvl6pPr>
+    <a:lvl7pPr marL="2743200" algn="l" defTabSz="914400" rtl="0" eaLnBrk="1" latinLnBrk="0" hangingPunct="1">
+      <a:defRPr sz="1200" kern="1200">
+        <a:solidFill>
+          <a:schemeClr val="tx1"/>
+        </a:solidFill>
+        <a:latin typeface="+mn-lt"/>
+        <a:ea typeface="+mn-ea"/>
+        <a:cs typeface="+mn-cs"/>
+      </a:defRPr>
+    </a:lvl7pPr>
+    <a:lvl8pPr marL="3200400" algn="l" defTabSz="914400" rtl="0" eaLnBrk="1" latinLnBrk="0" hangingPunct="1">
+      <a:defRPr sz="1200" kern="1200">
+        <a:solidFill>
+          <a:schemeClr val="tx1"/>
+        </a:solidFill>
+        <a:latin typeface="+mn-lt"/>
+        <a:ea typeface="+mn-ea"/>
+        <a:cs typeface="+mn-cs"/>
+      </a:defRPr>
+    </a:lvl8pPr>
+    <a:lvl9pPr marL="3657600" algn="l" defTabSz="914400" rtl="0" eaLnBrk="1" latinLnBrk="0" hangingPunct="1">
+      <a:defRPr sz="1200" kern="1200">
+        <a:solidFill>
+          <a:schemeClr val="tx1"/>
+        </a:solidFill>
+        <a:latin typeface="+mn-lt"/>
+        <a:ea typeface="+mn-ea"/>
+        <a:cs typeface="+mn-cs"/>
+      </a:defRPr>
+    </a:lvl9pPr>
+  </p:notesStyle>
+</p:notesMaster>
+</file>
+
+<file path=ppt/notesSlides/notesSlide1.xml><?xml version="1.0" encoding="utf-8"?>
+<p:notes xmlns:a="http://schemas.openxmlformats.org/drawingml/2006/main" xmlns:r="http://schemas.openxmlformats.org/officeDocument/2006/relationships" xmlns:p="http://schemas.openxmlformats.org/presentationml/2006/main">
+  <p:cSld>
+    <p:spTree>
+      <p:nvGrpSpPr>
+        <p:cNvPr id="1" name=""/>
+        <p:cNvGrpSpPr/>
+        <p:nvPr/>
+      </p:nvGrpSpPr>
+      <p:grpSpPr>
+        <a:xfrm>
+          <a:off x="0" y="0"/>
+          <a:ext cx="0" cy="0"/>
+          <a:chOff x="0" y="0"/>
+          <a:chExt cx="0" cy="0"/>
+        </a:xfrm>
+      </p:grpSpPr>
+      <p:sp>
+        <p:nvSpPr>
+          <p:cNvPr id="2" name="Tijdelijke aanduiding voor dia-afbeelding 1"/>
+          <p:cNvSpPr>
+            <a:spLocks noGrp="1" noRot="1" noChangeAspect="1"/>
+          </p:cNvSpPr>
+          <p:nvPr>
+            <p:ph type="sldImg"/>
+          </p:nvPr>
+        </p:nvSpPr>
+        <p:spPr>
+          <a:xfrm>
+            <a:off x="685800" y="1143000"/>
+            <a:ext cx="5486400" cy="3086100"/>
+          </a:xfrm>
+        </p:spPr>
+      </p:sp>
+      <p:sp>
+        <p:nvSpPr>
+          <p:cNvPr id="3" name="Tijdelijke aanduiding voor notities 2"/>
+          <p:cNvSpPr>
+            <a:spLocks noGrp="1"/>
+          </p:cNvSpPr>
+          <p:nvPr>
+            <p:ph type="body" idx="1"/>
+          </p:nvPr>
+        </p:nvSpPr>
+        <p:spPr/>
+        <p:txBody>
+          <a:bodyPr/>
+          <a:lstStyle/>
+          <a:p>
+            <a:endParaRPr lang="en-US" dirty="0"/>
+          </a:p>
+        </p:txBody>
+      </p:sp>
+      <p:sp>
+        <p:nvSpPr>
+          <p:cNvPr id="4" name="Tijdelijke aanduiding voor dianummer 3"/>
+          <p:cNvSpPr>
+            <a:spLocks noGrp="1"/>
+          </p:cNvSpPr>
+          <p:nvPr>
+            <p:ph type="sldNum" sz="quarter" idx="10"/>
+          </p:nvPr>
+        </p:nvSpPr>
+        <p:spPr/>
+        <p:txBody>
+          <a:bodyPr/>
+          <a:lstStyle/>
+          <a:p>
+            <a:pPr marL="0" marR="0" lvl="0" indent="0" algn="r" defTabSz="914400" rtl="0" eaLnBrk="1" fontAlgn="auto" latinLnBrk="0" hangingPunct="1">
+              <a:lnSpc>
+                <a:spcPct val="100000"/>
+              </a:lnSpc>
+              <a:spcBef>
+                <a:spcPts val="0"/>
+              </a:spcBef>
+              <a:spcAft>
+                <a:spcPts val="0"/>
+              </a:spcAft>
+              <a:buClrTx/>
+              <a:buSzTx/>
+              <a:buFontTx/>
+              <a:buNone/>
+              <a:tabLst/>
+              <a:defRPr/>
+            </a:pPr>
+            <a:fld id="{E05A9740-BD37-4DCA-BDC4-7DBBAE15FA30}" type="slidenum">
+              <a:rPr kumimoji="0" lang="en-US" sz="1200" b="0" i="0" u="none" strike="noStrike" kern="1200" cap="none" spc="0" normalizeH="0" baseline="0" noProof="0" smtClean="0">
+                <a:ln>
+                  <a:noFill/>
+                </a:ln>
+                <a:solidFill>
+                  <a:prstClr val="black"/>
+                </a:solidFill>
+                <a:effectLst/>
+                <a:uLnTx/>
+                <a:uFillTx/>
+                <a:latin typeface="Calibri" panose="020F0502020204030204"/>
+                <a:ea typeface="+mn-ea"/>
+                <a:cs typeface="+mn-cs"/>
+              </a:rPr>
+              <a:pPr marL="0" marR="0" lvl="0" indent="0" algn="r" defTabSz="914400" rtl="0" eaLnBrk="1" fontAlgn="auto" latinLnBrk="0" hangingPunct="1">
+                <a:lnSpc>
+                  <a:spcPct val="100000"/>
+                </a:lnSpc>
+                <a:spcBef>
+                  <a:spcPts val="0"/>
+                </a:spcBef>
+                <a:spcAft>
+                  <a:spcPts val="0"/>
+                </a:spcAft>
+                <a:buClrTx/>
+                <a:buSzTx/>
+                <a:buFontTx/>
+                <a:buNone/>
+                <a:tabLst/>
+                <a:defRPr/>
+              </a:pPr>
+              <a:t>1</a:t>
+            </a:fld>
+            <a:endParaRPr kumimoji="0" lang="en-US" sz="1200" b="0" i="0" u="none" strike="noStrike" kern="1200" cap="none" spc="0" normalizeH="0" baseline="0" noProof="0" dirty="0">
+              <a:ln>
+                <a:noFill/>
+              </a:ln>
+              <a:solidFill>
+                <a:prstClr val="black"/>
+              </a:solidFill>
+              <a:effectLst/>
+              <a:uLnTx/>
+              <a:uFillTx/>
+              <a:latin typeface="Calibri" panose="020F0502020204030204"/>
+              <a:ea typeface="+mn-ea"/>
+              <a:cs typeface="+mn-cs"/>
+            </a:endParaRPr>
+          </a:p>
+        </p:txBody>
+      </p:sp>
+    </p:spTree>
+    <p:extLst>
+      <p:ext uri="{BB962C8B-B14F-4D97-AF65-F5344CB8AC3E}">
+        <p14:creationId xmlns:p14="http://schemas.microsoft.com/office/powerpoint/2010/main" val="2562146239"/>
+      </p:ext>
+    </p:extLst>
+  </p:cSld>
+  <p:clrMapOvr>
+    <a:masterClrMapping/>
+  </p:clrMapOvr>
+</p:notes>
+</file>
+
 <file path=ppt/slideLayouts/slideLayout1.xml><?xml version="1.0" encoding="utf-8"?>
 <p:sldLayout xmlns:a="http://schemas.openxmlformats.org/drawingml/2006/main" xmlns:r="http://schemas.openxmlformats.org/officeDocument/2006/relationships" xmlns:p="http://schemas.openxmlformats.org/presentationml/2006/main" preserve="1" userDrawn="1">
   <p:cSld name="Presentatie Titel transparant">
@@ -1152,7 +1654,7 @@
           <a:p>
             <a:fld id="{5284E793-42BC-7A47-9251-8F00007A7FA8}" type="datetimeFigureOut">
               <a:rPr lang="nl-NL" smtClean="0"/>
-              <a:t>13-02-2025</a:t>
+              <a:t>14-02-2025</a:t>
             </a:fld>
             <a:endParaRPr lang="nl-NL"/>
           </a:p>
@@ -4612,128 +5114,307 @@
       </p:grpSpPr>
       <p:sp>
         <p:nvSpPr>
-          <p:cNvPr id="2" name="Text Placeholder 1">
+          <p:cNvPr id="5" name="Tijdelijke aanduiding voor tekst 4"/>
+          <p:cNvSpPr>
+            <a:spLocks noGrp="1"/>
+          </p:cNvSpPr>
+          <p:nvPr>
+            <p:ph type="body" sz="quarter" idx="10"/>
+          </p:nvPr>
+        </p:nvSpPr>
+        <p:spPr/>
+        <p:txBody>
+          <a:bodyPr/>
+          <a:lstStyle/>
+          <a:p>
+            <a:r>
+              <a:rPr lang="en-US" dirty="0"/>
+              <a:t>Human-Technology Interaction</a:t>
+            </a:r>
+          </a:p>
+        </p:txBody>
+      </p:sp>
+      <p:pic>
+        <p:nvPicPr>
+          <p:cNvPr id="22" name="Tijdelijke aanduiding voor afbeelding 21"/>
+          <p:cNvPicPr>
+            <a:picLocks noGrp="1" noChangeAspect="1"/>
+          </p:cNvPicPr>
+          <p:nvPr>
+            <p:ph type="pic" sz="quarter" idx="11"/>
+          </p:nvPr>
+        </p:nvPicPr>
+        <p:blipFill rotWithShape="1">
+          <a:blip r:embed="rId3">
             <a:extLst>
-              <a:ext uri="{FF2B5EF4-FFF2-40B4-BE49-F238E27FC236}">
-                <a16:creationId xmlns:a16="http://schemas.microsoft.com/office/drawing/2014/main" id="{10F35D88-D69F-D443-8A05-C3EEB7341F2A}"/>
+              <a:ext uri="{28A0092B-C50C-407E-A947-70E740481C1C}">
+                <a14:useLocalDpi xmlns:a14="http://schemas.microsoft.com/office/drawing/2010/main" val="0"/>
               </a:ext>
             </a:extLst>
-          </p:cNvPr>
-          <p:cNvSpPr>
-            <a:spLocks noGrp="1"/>
-          </p:cNvSpPr>
-          <p:nvPr>
-            <p:ph type="body" sz="quarter" idx="10"/>
-          </p:nvPr>
-        </p:nvSpPr>
-        <p:spPr/>
-        <p:txBody>
-          <a:bodyPr/>
+          </a:blip>
+          <a:srcRect t="15667" b="11492"/>
+          <a:stretch/>
+        </p:blipFill>
+        <p:spPr>
+          <a:xfrm>
+            <a:off x="0" y="1066801"/>
+            <a:ext cx="12192000" cy="5026025"/>
+          </a:xfrm>
+        </p:spPr>
+      </p:pic>
+      <p:sp>
+        <p:nvSpPr>
+          <p:cNvPr id="8" name="Tijdelijke aanduiding voor tekst 5"/>
+          <p:cNvSpPr txBox="1">
+            <a:spLocks/>
+          </p:cNvSpPr>
+          <p:nvPr/>
+        </p:nvSpPr>
+        <p:spPr>
+          <a:xfrm>
+            <a:off x="-2116" y="4377268"/>
+            <a:ext cx="12192000" cy="1058333"/>
+          </a:xfrm>
+          <a:prstGeom prst="rect">
+            <a:avLst/>
+          </a:prstGeom>
+          <a:solidFill>
+            <a:schemeClr val="tx2">
+              <a:alpha val="70000"/>
+            </a:schemeClr>
+          </a:solidFill>
+        </p:spPr>
+        <p:txBody>
+          <a:bodyPr vert="horz" lIns="811200" tIns="0" rIns="811200" bIns="350400" rtlCol="0" anchor="b" anchorCtr="0">
+            <a:noAutofit/>
+          </a:bodyPr>
+          <a:lstStyle>
+            <a:lvl1pPr marL="0" indent="0" algn="l" defTabSz="514350" rtl="0" eaLnBrk="1" latinLnBrk="0" hangingPunct="1">
+              <a:lnSpc>
+                <a:spcPts val="1200"/>
+              </a:lnSpc>
+              <a:spcBef>
+                <a:spcPts val="0"/>
+              </a:spcBef>
+              <a:spcAft>
+                <a:spcPts val="0"/>
+              </a:spcAft>
+              <a:buFont typeface="Arial" panose="020B0604020202020204" pitchFamily="34" charset="0"/>
+              <a:buNone/>
+              <a:defRPr sz="1200" kern="1200" baseline="0">
+                <a:solidFill>
+                  <a:schemeClr val="bg1"/>
+                </a:solidFill>
+                <a:latin typeface="+mn-lt"/>
+                <a:ea typeface="+mn-ea"/>
+                <a:cs typeface="+mn-cs"/>
+              </a:defRPr>
+            </a:lvl1pPr>
+            <a:lvl2pPr marL="0" indent="0" algn="l" defTabSz="514350" rtl="0" eaLnBrk="1" latinLnBrk="0" hangingPunct="1">
+              <a:lnSpc>
+                <a:spcPts val="1800"/>
+              </a:lnSpc>
+              <a:spcBef>
+                <a:spcPts val="413"/>
+              </a:spcBef>
+              <a:spcAft>
+                <a:spcPts val="413"/>
+              </a:spcAft>
+              <a:buFont typeface="Arial" panose="020B0604020202020204" pitchFamily="34" charset="0"/>
+              <a:buNone/>
+              <a:defRPr sz="1950" kern="1200">
+                <a:solidFill>
+                  <a:schemeClr val="bg2"/>
+                </a:solidFill>
+                <a:latin typeface="+mn-lt"/>
+                <a:ea typeface="+mn-ea"/>
+                <a:cs typeface="+mn-cs"/>
+              </a:defRPr>
+            </a:lvl2pPr>
+            <a:lvl3pPr marL="202500" indent="-202500" algn="l" defTabSz="514350" rtl="0" eaLnBrk="1" latinLnBrk="0" hangingPunct="1">
+              <a:lnSpc>
+                <a:spcPts val="1800"/>
+              </a:lnSpc>
+              <a:spcBef>
+                <a:spcPts val="413"/>
+              </a:spcBef>
+              <a:buClr>
+                <a:schemeClr val="bg2"/>
+              </a:buClr>
+              <a:buSzPct val="100000"/>
+              <a:buFont typeface="Arial" panose="020B0604020202020204" pitchFamily="34" charset="0"/>
+              <a:buChar char="•"/>
+              <a:defRPr sz="1650" kern="1200">
+                <a:solidFill>
+                  <a:schemeClr val="bg2"/>
+                </a:solidFill>
+                <a:latin typeface="+mn-lt"/>
+                <a:ea typeface="+mn-ea"/>
+                <a:cs typeface="+mn-cs"/>
+              </a:defRPr>
+            </a:lvl3pPr>
+            <a:lvl4pPr marL="405000" indent="-202500" algn="l" defTabSz="514350" rtl="0" eaLnBrk="1" latinLnBrk="0" hangingPunct="1">
+              <a:lnSpc>
+                <a:spcPts val="1650"/>
+              </a:lnSpc>
+              <a:spcBef>
+                <a:spcPts val="0"/>
+              </a:spcBef>
+              <a:buClr>
+                <a:schemeClr val="bg2"/>
+              </a:buClr>
+              <a:buFont typeface="Arial" panose="020B0604020202020204" pitchFamily="34" charset="0"/>
+              <a:buChar char="•"/>
+              <a:defRPr sz="1500" kern="1200">
+                <a:solidFill>
+                  <a:schemeClr val="bg2"/>
+                </a:solidFill>
+                <a:latin typeface="+mn-lt"/>
+                <a:ea typeface="+mn-ea"/>
+                <a:cs typeface="+mn-cs"/>
+              </a:defRPr>
+            </a:lvl4pPr>
+            <a:lvl5pPr marL="607500" indent="-202500" algn="l" defTabSz="514350" rtl="0" eaLnBrk="1" latinLnBrk="0" hangingPunct="1">
+              <a:lnSpc>
+                <a:spcPts val="1500"/>
+              </a:lnSpc>
+              <a:spcBef>
+                <a:spcPts val="0"/>
+              </a:spcBef>
+              <a:buFont typeface="Arial" panose="020B0604020202020204" pitchFamily="34" charset="0"/>
+              <a:buChar char="•"/>
+              <a:defRPr sz="1350" kern="1200">
+                <a:solidFill>
+                  <a:schemeClr val="bg2"/>
+                </a:solidFill>
+                <a:latin typeface="+mn-lt"/>
+                <a:ea typeface="+mn-ea"/>
+                <a:cs typeface="+mn-cs"/>
+              </a:defRPr>
+            </a:lvl5pPr>
+            <a:lvl6pPr marL="1414463" indent="-128588" algn="l" defTabSz="514350" rtl="0" eaLnBrk="1" latinLnBrk="0" hangingPunct="1">
+              <a:lnSpc>
+                <a:spcPct val="90000"/>
+              </a:lnSpc>
+              <a:spcBef>
+                <a:spcPts val="281"/>
+              </a:spcBef>
+              <a:buFont typeface="Arial" panose="020B0604020202020204" pitchFamily="34" charset="0"/>
+              <a:buChar char="•"/>
+              <a:defRPr sz="1013" kern="1200">
+                <a:solidFill>
+                  <a:schemeClr val="tx1"/>
+                </a:solidFill>
+                <a:latin typeface="+mn-lt"/>
+                <a:ea typeface="+mn-ea"/>
+                <a:cs typeface="+mn-cs"/>
+              </a:defRPr>
+            </a:lvl6pPr>
+            <a:lvl7pPr marL="1671638" indent="-128588" algn="l" defTabSz="514350" rtl="0" eaLnBrk="1" latinLnBrk="0" hangingPunct="1">
+              <a:lnSpc>
+                <a:spcPct val="90000"/>
+              </a:lnSpc>
+              <a:spcBef>
+                <a:spcPts val="281"/>
+              </a:spcBef>
+              <a:buFont typeface="Arial" panose="020B0604020202020204" pitchFamily="34" charset="0"/>
+              <a:buChar char="•"/>
+              <a:defRPr sz="1013" kern="1200">
+                <a:solidFill>
+                  <a:schemeClr val="tx1"/>
+                </a:solidFill>
+                <a:latin typeface="+mn-lt"/>
+                <a:ea typeface="+mn-ea"/>
+                <a:cs typeface="+mn-cs"/>
+              </a:defRPr>
+            </a:lvl7pPr>
+            <a:lvl8pPr marL="1928813" indent="-128588" algn="l" defTabSz="514350" rtl="0" eaLnBrk="1" latinLnBrk="0" hangingPunct="1">
+              <a:lnSpc>
+                <a:spcPct val="90000"/>
+              </a:lnSpc>
+              <a:spcBef>
+                <a:spcPts val="281"/>
+              </a:spcBef>
+              <a:buFont typeface="Arial" panose="020B0604020202020204" pitchFamily="34" charset="0"/>
+              <a:buChar char="•"/>
+              <a:defRPr sz="1013" kern="1200">
+                <a:solidFill>
+                  <a:schemeClr val="tx1"/>
+                </a:solidFill>
+                <a:latin typeface="+mn-lt"/>
+                <a:ea typeface="+mn-ea"/>
+                <a:cs typeface="+mn-cs"/>
+              </a:defRPr>
+            </a:lvl8pPr>
+            <a:lvl9pPr marL="2185988" indent="-128588" algn="l" defTabSz="514350" rtl="0" eaLnBrk="1" latinLnBrk="0" hangingPunct="1">
+              <a:lnSpc>
+                <a:spcPct val="90000"/>
+              </a:lnSpc>
+              <a:spcBef>
+                <a:spcPts val="281"/>
+              </a:spcBef>
+              <a:buFont typeface="Arial" panose="020B0604020202020204" pitchFamily="34" charset="0"/>
+              <a:buChar char="•"/>
+              <a:defRPr sz="1013" kern="1200">
+                <a:solidFill>
+                  <a:schemeClr val="tx1"/>
+                </a:solidFill>
+                <a:latin typeface="+mn-lt"/>
+                <a:ea typeface="+mn-ea"/>
+                <a:cs typeface="+mn-cs"/>
+              </a:defRPr>
+            </a:lvl9pPr>
+          </a:lstStyle>
+          <a:p>
+            <a:pPr defTabSz="685783">
+              <a:lnSpc>
+                <a:spcPts val="1600"/>
+              </a:lnSpc>
+            </a:pPr>
+            <a:r>
+              <a:rPr lang="en-NL" sz="3200" dirty="0"/>
+              <a:t>Misty robot tutorial</a:t>
+            </a:r>
+            <a:endParaRPr lang="en-US" dirty="0">
+              <a:solidFill>
+                <a:prstClr val="white"/>
+              </a:solidFill>
+              <a:latin typeface="Calibri"/>
+            </a:endParaRPr>
+          </a:p>
+        </p:txBody>
+      </p:sp>
+      <p:sp>
+        <p:nvSpPr>
+          <p:cNvPr id="6" name="Tijdelijke aanduiding voor tekst 5"/>
+          <p:cNvSpPr>
+            <a:spLocks noGrp="1"/>
+          </p:cNvSpPr>
+          <p:nvPr>
+            <p:ph type="body" sz="quarter" idx="12"/>
+          </p:nvPr>
+        </p:nvSpPr>
+        <p:spPr>
+          <a:xfrm>
+            <a:off x="-1" y="5435601"/>
+            <a:ext cx="12192000" cy="657224"/>
+          </a:xfrm>
+        </p:spPr>
+        <p:txBody>
+          <a:bodyPr>
+            <a:noAutofit/>
+          </a:bodyPr>
           <a:lstStyle/>
           <a:p>
-            <a:endParaRPr lang="en-NL"/>
-          </a:p>
-        </p:txBody>
-      </p:sp>
-      <p:sp>
-        <p:nvSpPr>
-          <p:cNvPr id="3" name="Picture Placeholder 2">
-            <a:extLst>
-              <a:ext uri="{FF2B5EF4-FFF2-40B4-BE49-F238E27FC236}">
-                <a16:creationId xmlns:a16="http://schemas.microsoft.com/office/drawing/2014/main" id="{0762123A-E115-1C43-91EA-9D97D03FB05D}"/>
-              </a:ext>
-            </a:extLst>
-          </p:cNvPr>
-          <p:cNvSpPr>
-            <a:spLocks noGrp="1"/>
-          </p:cNvSpPr>
-          <p:nvPr>
-            <p:ph type="pic" sz="quarter" idx="11"/>
-          </p:nvPr>
-        </p:nvSpPr>
-        <p:spPr/>
-        <p:txBody>
-          <a:bodyPr/>
-          <a:lstStyle/>
-          <a:p>
-            <a:endParaRPr lang="en-NL"/>
-          </a:p>
-        </p:txBody>
-      </p:sp>
-      <p:sp>
-        <p:nvSpPr>
-          <p:cNvPr id="4" name="Text Placeholder 3">
-            <a:extLst>
-              <a:ext uri="{FF2B5EF4-FFF2-40B4-BE49-F238E27FC236}">
-                <a16:creationId xmlns:a16="http://schemas.microsoft.com/office/drawing/2014/main" id="{DB6D9446-C689-2945-882E-C2125491E345}"/>
-              </a:ext>
-            </a:extLst>
-          </p:cNvPr>
-          <p:cNvSpPr>
-            <a:spLocks noGrp="1"/>
-          </p:cNvSpPr>
-          <p:nvPr>
-            <p:ph type="body" sz="quarter" idx="12"/>
-          </p:nvPr>
-        </p:nvSpPr>
-        <p:spPr/>
-        <p:txBody>
-          <a:bodyPr/>
-          <a:lstStyle/>
-          <a:p>
-            <a:endParaRPr lang="en-NL"/>
-          </a:p>
-        </p:txBody>
-      </p:sp>
-      <p:sp>
-        <p:nvSpPr>
-          <p:cNvPr id="5" name="Subtitle 4">
-            <a:extLst>
-              <a:ext uri="{FF2B5EF4-FFF2-40B4-BE49-F238E27FC236}">
-                <a16:creationId xmlns:a16="http://schemas.microsoft.com/office/drawing/2014/main" id="{AC991F53-0CBE-B043-B6FA-AD2C9D402F6F}"/>
-              </a:ext>
-            </a:extLst>
-          </p:cNvPr>
-          <p:cNvSpPr>
-            <a:spLocks noGrp="1"/>
-          </p:cNvSpPr>
-          <p:nvPr>
-            <p:ph type="subTitle" idx="1"/>
-          </p:nvPr>
-        </p:nvSpPr>
-        <p:spPr/>
-        <p:txBody>
-          <a:bodyPr/>
-          <a:lstStyle/>
-          <a:p>
-            <a:endParaRPr lang="en-NL"/>
-          </a:p>
-        </p:txBody>
-      </p:sp>
-      <p:sp>
-        <p:nvSpPr>
-          <p:cNvPr id="6" name="Title 5">
-            <a:extLst>
-              <a:ext uri="{FF2B5EF4-FFF2-40B4-BE49-F238E27FC236}">
-                <a16:creationId xmlns:a16="http://schemas.microsoft.com/office/drawing/2014/main" id="{61E18BC0-3587-CF47-B752-0268784298DB}"/>
-              </a:ext>
-            </a:extLst>
-          </p:cNvPr>
-          <p:cNvSpPr>
-            <a:spLocks noGrp="1"/>
-          </p:cNvSpPr>
-          <p:nvPr>
-            <p:ph type="ctrTitle"/>
-          </p:nvPr>
-        </p:nvSpPr>
-        <p:spPr/>
-        <p:txBody>
-          <a:bodyPr/>
-          <a:lstStyle/>
-          <a:p>
-            <a:r>
-              <a:rPr lang="en-NL" dirty="0"/>
-              <a:t>Misty robot tutorial</a:t>
+            <a:r>
+              <a:rPr lang="en-US" dirty="0"/>
+              <a:t>Raymond H. Cuijpers</a:t>
+            </a:r>
+          </a:p>
+          <a:p>
+            <a:r>
+              <a:rPr lang="en-US" dirty="0"/>
+              <a:t>Associate Professor Cognitive robotics &amp; Human-Robot interaction</a:t>
             </a:r>
           </a:p>
         </p:txBody>
@@ -4741,7 +5422,7 @@
     </p:spTree>
     <p:extLst>
       <p:ext uri="{BB962C8B-B14F-4D97-AF65-F5344CB8AC3E}">
-        <p14:creationId xmlns:p14="http://schemas.microsoft.com/office/powerpoint/2010/main" val="2508535208"/>
+        <p14:creationId xmlns:p14="http://schemas.microsoft.com/office/powerpoint/2010/main" val="499135246"/>
       </p:ext>
     </p:extLst>
   </p:cSld>
@@ -5273,13 +5954,13 @@
   <p:clrMapOvr>
     <a:masterClrMapping/>
   </p:clrMapOvr>
-  <mc:AlternateContent xmlns:mc="http://schemas.openxmlformats.org/markup-compatibility/2006">
-    <mc:Choice xmlns:p14="http://schemas.microsoft.com/office/powerpoint/2010/main" Requires="p14">
+  <mc:AlternateContent xmlns:mc="http://schemas.openxmlformats.org/markup-compatibility/2006" xmlns:p14="http://schemas.microsoft.com/office/powerpoint/2010/main">
+    <mc:Choice Requires="p14">
       <p:transition spd="med" p14:dur="700">
         <p:fade/>
       </p:transition>
     </mc:Choice>
-    <mc:Fallback>
+    <mc:Fallback xmlns="">
       <p:transition spd="med">
         <p:fade/>
       </p:transition>
@@ -5682,13 +6363,13 @@
   <p:clrMapOvr>
     <a:masterClrMapping/>
   </p:clrMapOvr>
-  <mc:AlternateContent xmlns:mc="http://schemas.openxmlformats.org/markup-compatibility/2006">
-    <mc:Choice xmlns:p14="http://schemas.microsoft.com/office/powerpoint/2010/main" Requires="p14">
+  <mc:AlternateContent xmlns:mc="http://schemas.openxmlformats.org/markup-compatibility/2006" xmlns:p14="http://schemas.microsoft.com/office/powerpoint/2010/main">
+    <mc:Choice Requires="p14">
       <p:transition spd="med" p14:dur="700">
         <p:fade/>
       </p:transition>
     </mc:Choice>
-    <mc:Fallback>
+    <mc:Fallback xmlns="">
       <p:transition spd="med">
         <p:fade/>
       </p:transition>
@@ -6031,13 +6712,13 @@
   <p:clrMapOvr>
     <a:masterClrMapping/>
   </p:clrMapOvr>
-  <mc:AlternateContent xmlns:mc="http://schemas.openxmlformats.org/markup-compatibility/2006">
-    <mc:Choice xmlns:p14="http://schemas.microsoft.com/office/powerpoint/2010/main" Requires="p14">
+  <mc:AlternateContent xmlns:mc="http://schemas.openxmlformats.org/markup-compatibility/2006" xmlns:p14="http://schemas.microsoft.com/office/powerpoint/2010/main">
+    <mc:Choice Requires="p14">
       <p:transition spd="med" p14:dur="700">
         <p:fade/>
       </p:transition>
     </mc:Choice>
-    <mc:Fallback>
+    <mc:Fallback xmlns="">
       <p:transition spd="med">
         <p:fade/>
       </p:transition>
@@ -8155,13 +8836,13 @@
   <p:clrMapOvr>
     <a:masterClrMapping/>
   </p:clrMapOvr>
-  <mc:AlternateContent xmlns:mc="http://schemas.openxmlformats.org/markup-compatibility/2006">
-    <mc:Choice xmlns:p14="http://schemas.microsoft.com/office/powerpoint/2010/main" Requires="p14">
+  <mc:AlternateContent xmlns:mc="http://schemas.openxmlformats.org/markup-compatibility/2006" xmlns:p14="http://schemas.microsoft.com/office/powerpoint/2010/main">
+    <mc:Choice Requires="p14">
       <p:transition spd="med" p14:dur="700">
         <p:fade/>
       </p:transition>
     </mc:Choice>
-    <mc:Fallback>
+    <mc:Fallback xmlns="">
       <p:transition spd="med">
         <p:fade/>
       </p:transition>
@@ -8593,4 +9274,319 @@
     </a:ext>
   </a:extLst>
 </a:theme>
+</file>
+
+<file path=ppt/theme/theme2.xml><?xml version="1.0" encoding="utf-8"?>
+<a:theme xmlns:a="http://schemas.openxmlformats.org/drawingml/2006/main" name="Office Theme">
+  <a:themeElements>
+    <a:clrScheme name="Office">
+      <a:dk1>
+        <a:sysClr val="windowText" lastClr="000000"/>
+      </a:dk1>
+      <a:lt1>
+        <a:sysClr val="window" lastClr="FFFFFF"/>
+      </a:lt1>
+      <a:dk2>
+        <a:srgbClr val="0E2841"/>
+      </a:dk2>
+      <a:lt2>
+        <a:srgbClr val="E8E8E8"/>
+      </a:lt2>
+      <a:accent1>
+        <a:srgbClr val="156082"/>
+      </a:accent1>
+      <a:accent2>
+        <a:srgbClr val="E97132"/>
+      </a:accent2>
+      <a:accent3>
+        <a:srgbClr val="196B24"/>
+      </a:accent3>
+      <a:accent4>
+        <a:srgbClr val="0F9ED5"/>
+      </a:accent4>
+      <a:accent5>
+        <a:srgbClr val="A02B93"/>
+      </a:accent5>
+      <a:accent6>
+        <a:srgbClr val="4EA72E"/>
+      </a:accent6>
+      <a:hlink>
+        <a:srgbClr val="467886"/>
+      </a:hlink>
+      <a:folHlink>
+        <a:srgbClr val="96607D"/>
+      </a:folHlink>
+    </a:clrScheme>
+    <a:fontScheme name="Office">
+      <a:majorFont>
+        <a:latin typeface="Aptos Display" panose="02110004020202020204"/>
+        <a:ea typeface=""/>
+        <a:cs typeface=""/>
+        <a:font script="Jpan" typeface="游ゴシック Light"/>
+        <a:font script="Hang" typeface="맑은 고딕"/>
+        <a:font script="Hans" typeface="等线 Light"/>
+        <a:font script="Hant" typeface="新細明體"/>
+        <a:font script="Arab" typeface="Times New Roman"/>
+        <a:font script="Hebr" typeface="Times New Roman"/>
+        <a:font script="Thai" typeface="Angsana New"/>
+        <a:font script="Ethi" typeface="Nyala"/>
+        <a:font script="Beng" typeface="Vrinda"/>
+        <a:font script="Gujr" typeface="Shruti"/>
+        <a:font script="Khmr" typeface="MoolBoran"/>
+        <a:font script="Knda" typeface="Tunga"/>
+        <a:font script="Guru" typeface="Raavi"/>
+        <a:font script="Cans" typeface="Euphemia"/>
+        <a:font script="Cher" typeface="Plantagenet Cherokee"/>
+        <a:font script="Yiii" typeface="Microsoft Yi Baiti"/>
+        <a:font script="Tibt" typeface="Microsoft Himalaya"/>
+        <a:font script="Thaa" typeface="MV Boli"/>
+        <a:font script="Deva" typeface="Mangal"/>
+        <a:font script="Telu" typeface="Gautami"/>
+        <a:font script="Taml" typeface="Latha"/>
+        <a:font script="Syrc" typeface="Estrangelo Edessa"/>
+        <a:font script="Orya" typeface="Kalinga"/>
+        <a:font script="Mlym" typeface="Kartika"/>
+        <a:font script="Laoo" typeface="DokChampa"/>
+        <a:font script="Sinh" typeface="Iskoola Pota"/>
+        <a:font script="Mong" typeface="Mongolian Baiti"/>
+        <a:font script="Viet" typeface="Times New Roman"/>
+        <a:font script="Uigh" typeface="Microsoft Uighur"/>
+        <a:font script="Geor" typeface="Sylfaen"/>
+        <a:font script="Armn" typeface="Arial"/>
+        <a:font script="Bugi" typeface="Leelawadee UI"/>
+        <a:font script="Bopo" typeface="Microsoft JhengHei"/>
+        <a:font script="Java" typeface="Javanese Text"/>
+        <a:font script="Lisu" typeface="Segoe UI"/>
+        <a:font script="Mymr" typeface="Myanmar Text"/>
+        <a:font script="Nkoo" typeface="Ebrima"/>
+        <a:font script="Olck" typeface="Nirmala UI"/>
+        <a:font script="Osma" typeface="Ebrima"/>
+        <a:font script="Phag" typeface="Phagspa"/>
+        <a:font script="Syrn" typeface="Estrangelo Edessa"/>
+        <a:font script="Syrj" typeface="Estrangelo Edessa"/>
+        <a:font script="Syre" typeface="Estrangelo Edessa"/>
+        <a:font script="Sora" typeface="Nirmala UI"/>
+        <a:font script="Tale" typeface="Microsoft Tai Le"/>
+        <a:font script="Talu" typeface="Microsoft New Tai Lue"/>
+        <a:font script="Tfng" typeface="Ebrima"/>
+      </a:majorFont>
+      <a:minorFont>
+        <a:latin typeface="Aptos" panose="02110004020202020204"/>
+        <a:ea typeface=""/>
+        <a:cs typeface=""/>
+        <a:font script="Jpan" typeface="游ゴシック"/>
+        <a:font script="Hang" typeface="맑은 고딕"/>
+        <a:font script="Hans" typeface="等线"/>
+        <a:font script="Hant" typeface="新細明體"/>
+        <a:font script="Arab" typeface="Arial"/>
+        <a:font script="Hebr" typeface="Arial"/>
+        <a:font script="Thai" typeface="Cordia New"/>
+        <a:font script="Ethi" typeface="Nyala"/>
+        <a:font script="Beng" typeface="Vrinda"/>
+        <a:font script="Gujr" typeface="Shruti"/>
+        <a:font script="Khmr" typeface="DaunPenh"/>
+        <a:font script="Knda" typeface="Tunga"/>
+        <a:font script="Guru" typeface="Raavi"/>
+        <a:font script="Cans" typeface="Euphemia"/>
+        <a:font script="Cher" typeface="Plantagenet Cherokee"/>
+        <a:font script="Yiii" typeface="Microsoft Yi Baiti"/>
+        <a:font script="Tibt" typeface="Microsoft Himalaya"/>
+        <a:font script="Thaa" typeface="MV Boli"/>
+        <a:font script="Deva" typeface="Mangal"/>
+        <a:font script="Telu" typeface="Gautami"/>
+        <a:font script="Taml" typeface="Latha"/>
+        <a:font script="Syrc" typeface="Estrangelo Edessa"/>
+        <a:font script="Orya" typeface="Kalinga"/>
+        <a:font script="Mlym" typeface="Kartika"/>
+        <a:font script="Laoo" typeface="DokChampa"/>
+        <a:font script="Sinh" typeface="Iskoola Pota"/>
+        <a:font script="Mong" typeface="Mongolian Baiti"/>
+        <a:font script="Viet" typeface="Arial"/>
+        <a:font script="Uigh" typeface="Microsoft Uighur"/>
+        <a:font script="Geor" typeface="Sylfaen"/>
+        <a:font script="Armn" typeface="Arial"/>
+        <a:font script="Bugi" typeface="Leelawadee UI"/>
+        <a:font script="Bopo" typeface="Microsoft JhengHei"/>
+        <a:font script="Java" typeface="Javanese Text"/>
+        <a:font script="Lisu" typeface="Segoe UI"/>
+        <a:font script="Mymr" typeface="Myanmar Text"/>
+        <a:font script="Nkoo" typeface="Ebrima"/>
+        <a:font script="Olck" typeface="Nirmala UI"/>
+        <a:font script="Osma" typeface="Ebrima"/>
+        <a:font script="Phag" typeface="Phagspa"/>
+        <a:font script="Syrn" typeface="Estrangelo Edessa"/>
+        <a:font script="Syrj" typeface="Estrangelo Edessa"/>
+        <a:font script="Syre" typeface="Estrangelo Edessa"/>
+        <a:font script="Sora" typeface="Nirmala UI"/>
+        <a:font script="Tale" typeface="Microsoft Tai Le"/>
+        <a:font script="Talu" typeface="Microsoft New Tai Lue"/>
+        <a:font script="Tfng" typeface="Ebrima"/>
+      </a:minorFont>
+    </a:fontScheme>
+    <a:fmtScheme name="Office">
+      <a:fillStyleLst>
+        <a:solidFill>
+          <a:schemeClr val="phClr"/>
+        </a:solidFill>
+        <a:gradFill rotWithShape="1">
+          <a:gsLst>
+            <a:gs pos="0">
+              <a:schemeClr val="phClr">
+                <a:lumMod val="110000"/>
+                <a:satMod val="105000"/>
+                <a:tint val="67000"/>
+              </a:schemeClr>
+            </a:gs>
+            <a:gs pos="50000">
+              <a:schemeClr val="phClr">
+                <a:lumMod val="105000"/>
+                <a:satMod val="103000"/>
+                <a:tint val="73000"/>
+              </a:schemeClr>
+            </a:gs>
+            <a:gs pos="100000">
+              <a:schemeClr val="phClr">
+                <a:lumMod val="105000"/>
+                <a:satMod val="109000"/>
+                <a:tint val="81000"/>
+              </a:schemeClr>
+            </a:gs>
+          </a:gsLst>
+          <a:lin ang="5400000" scaled="0"/>
+        </a:gradFill>
+        <a:gradFill rotWithShape="1">
+          <a:gsLst>
+            <a:gs pos="0">
+              <a:schemeClr val="phClr">
+                <a:satMod val="103000"/>
+                <a:lumMod val="102000"/>
+                <a:tint val="94000"/>
+              </a:schemeClr>
+            </a:gs>
+            <a:gs pos="50000">
+              <a:schemeClr val="phClr">
+                <a:satMod val="110000"/>
+                <a:lumMod val="100000"/>
+                <a:shade val="100000"/>
+              </a:schemeClr>
+            </a:gs>
+            <a:gs pos="100000">
+              <a:schemeClr val="phClr">
+                <a:lumMod val="99000"/>
+                <a:satMod val="120000"/>
+                <a:shade val="78000"/>
+              </a:schemeClr>
+            </a:gs>
+          </a:gsLst>
+          <a:lin ang="5400000" scaled="0"/>
+        </a:gradFill>
+      </a:fillStyleLst>
+      <a:lnStyleLst>
+        <a:ln w="12700" cap="flat" cmpd="sng" algn="ctr">
+          <a:solidFill>
+            <a:schemeClr val="phClr"/>
+          </a:solidFill>
+          <a:prstDash val="solid"/>
+          <a:miter lim="800000"/>
+        </a:ln>
+        <a:ln w="19050" cap="flat" cmpd="sng" algn="ctr">
+          <a:solidFill>
+            <a:schemeClr val="phClr"/>
+          </a:solidFill>
+          <a:prstDash val="solid"/>
+          <a:miter lim="800000"/>
+        </a:ln>
+        <a:ln w="25400" cap="flat" cmpd="sng" algn="ctr">
+          <a:solidFill>
+            <a:schemeClr val="phClr"/>
+          </a:solidFill>
+          <a:prstDash val="solid"/>
+          <a:miter lim="800000"/>
+        </a:ln>
+      </a:lnStyleLst>
+      <a:effectStyleLst>
+        <a:effectStyle>
+          <a:effectLst/>
+        </a:effectStyle>
+        <a:effectStyle>
+          <a:effectLst/>
+        </a:effectStyle>
+        <a:effectStyle>
+          <a:effectLst>
+            <a:outerShdw blurRad="57150" dist="19050" dir="5400000" algn="ctr" rotWithShape="0">
+              <a:srgbClr val="000000">
+                <a:alpha val="63000"/>
+              </a:srgbClr>
+            </a:outerShdw>
+          </a:effectLst>
+        </a:effectStyle>
+      </a:effectStyleLst>
+      <a:bgFillStyleLst>
+        <a:solidFill>
+          <a:schemeClr val="phClr"/>
+        </a:solidFill>
+        <a:solidFill>
+          <a:schemeClr val="phClr">
+            <a:tint val="95000"/>
+            <a:satMod val="170000"/>
+          </a:schemeClr>
+        </a:solidFill>
+        <a:gradFill rotWithShape="1">
+          <a:gsLst>
+            <a:gs pos="0">
+              <a:schemeClr val="phClr">
+                <a:tint val="93000"/>
+                <a:satMod val="150000"/>
+                <a:shade val="98000"/>
+                <a:lumMod val="102000"/>
+              </a:schemeClr>
+            </a:gs>
+            <a:gs pos="50000">
+              <a:schemeClr val="phClr">
+                <a:tint val="98000"/>
+                <a:satMod val="130000"/>
+                <a:shade val="90000"/>
+                <a:lumMod val="103000"/>
+              </a:schemeClr>
+            </a:gs>
+            <a:gs pos="100000">
+              <a:schemeClr val="phClr">
+                <a:shade val="63000"/>
+                <a:satMod val="120000"/>
+              </a:schemeClr>
+            </a:gs>
+          </a:gsLst>
+          <a:lin ang="5400000" scaled="0"/>
+        </a:gradFill>
+      </a:bgFillStyleLst>
+    </a:fmtScheme>
+  </a:themeElements>
+  <a:objectDefaults>
+    <a:lnDef>
+      <a:spPr/>
+      <a:bodyPr/>
+      <a:lstStyle/>
+      <a:style>
+        <a:lnRef idx="2">
+          <a:schemeClr val="accent1"/>
+        </a:lnRef>
+        <a:fillRef idx="0">
+          <a:schemeClr val="accent1"/>
+        </a:fillRef>
+        <a:effectRef idx="1">
+          <a:schemeClr val="accent1"/>
+        </a:effectRef>
+        <a:fontRef idx="minor">
+          <a:schemeClr val="tx1"/>
+        </a:fontRef>
+      </a:style>
+    </a:lnDef>
+  </a:objectDefaults>
+  <a:extraClrSchemeLst/>
+  <a:extLst>
+    <a:ext uri="{05A4C25C-085E-4340-85A3-A5531E510DB2}">
+      <thm15:themeFamily xmlns:thm15="http://schemas.microsoft.com/office/thememl/2012/main" name="Office Theme" id="{2E142A2C-CD16-42D6-873A-C26D2A0506FA}" vid="{1BDDFF52-6CD6-40A5-AB3C-68EB2F1E4D0A}"/>
+    </a:ext>
+  </a:extLst>
+</a:theme>
 </file>